--- a/DESCRIPTION/IMMERSED.pptx
+++ b/DESCRIPTION/IMMERSED.pptx
@@ -1,55 +1,39 @@
 
 <file path=ppt/presentation.xml><?xml version="1.0" encoding="utf-8"?>
-<p:presentation xmlns:a="http://schemas.openxmlformats.org/drawingml/2006/main" xmlns:r="http://schemas.openxmlformats.org/officeDocument/2006/relationships" xmlns:p="http://schemas.openxmlformats.org/presentationml/2006/main" saveSubsetFonts="1" embedTrueTypeFonts="true">
+<p:presentation xmlns:a="http://schemas.openxmlformats.org/drawingml/2006/main" xmlns:r="http://schemas.openxmlformats.org/officeDocument/2006/relationships" xmlns:p="http://schemas.openxmlformats.org/presentationml/2006/main" embedTrueTypeFonts="1" saveSubsetFonts="1">
   <p:sldMasterIdLst>
     <p:sldMasterId id="2147483648" r:id="rId1"/>
   </p:sldMasterIdLst>
   <p:sldIdLst>
-    <p:sldId id="256" r:id="rId14"/>
-    <p:sldId id="257" r:id="rId15"/>
-    <p:sldId id="258" r:id="rId16"/>
-    <p:sldId id="259" r:id="rId17"/>
-    <p:sldId id="260" r:id="rId18"/>
-    <p:sldId id="261" r:id="rId19"/>
-    <p:sldId id="262" r:id="rId20"/>
-    <p:sldId id="263" r:id="rId21"/>
-    <p:sldId id="264" r:id="rId22"/>
-    <p:sldId id="265" r:id="rId23"/>
+    <p:sldId id="256" r:id="rId2"/>
+    <p:sldId id="257" r:id="rId3"/>
+    <p:sldId id="258" r:id="rId4"/>
+    <p:sldId id="259" r:id="rId5"/>
+    <p:sldId id="260" r:id="rId6"/>
+    <p:sldId id="261" r:id="rId7"/>
+    <p:sldId id="262" r:id="rId8"/>
+    <p:sldId id="267" r:id="rId9"/>
+    <p:sldId id="263" r:id="rId10"/>
+    <p:sldId id="264" r:id="rId11"/>
+    <p:sldId id="265" r:id="rId12"/>
   </p:sldIdLst>
   <p:sldSz cx="18288000" cy="10287000"/>
   <p:notesSz cx="6858000" cy="9144000"/>
   <p:embeddedFontLst>
     <p:embeddedFont>
-      <p:font typeface="Arimo" charset="1" panose="020B0604020202020204"/>
-      <p:regular r:id="rId6"/>
+      <p:font typeface="Calibri" panose="020F0502020204030204" pitchFamily="34" charset="0"/>
+      <p:regular r:id="rId13"/>
+      <p:bold r:id="rId14"/>
+      <p:italic r:id="rId15"/>
+      <p:boldItalic r:id="rId16"/>
     </p:embeddedFont>
     <p:embeddedFont>
-      <p:font typeface="Arimo Bold" charset="1" panose="020B0704020202020204"/>
-      <p:regular r:id="rId7"/>
+      <p:font typeface="Clear Sans Regular" panose="020B0604020202020204" charset="0"/>
+      <p:regular r:id="rId17"/>
     </p:embeddedFont>
     <p:embeddedFont>
-      <p:font typeface="Arimo Italics" charset="1" panose="020B0604020202090204"/>
-      <p:regular r:id="rId8"/>
-    </p:embeddedFont>
-    <p:embeddedFont>
-      <p:font typeface="Arimo Bold Italics" charset="1" panose="020B0704020202090204"/>
-      <p:regular r:id="rId9"/>
-    </p:embeddedFont>
-    <p:embeddedFont>
-      <p:font typeface="Clear Sans Regular" charset="1" panose="020B0503030202020304"/>
-      <p:regular r:id="rId10"/>
-    </p:embeddedFont>
-    <p:embeddedFont>
-      <p:font typeface="Clear Sans Regular Bold" charset="1" panose="020B0603030202020304"/>
-      <p:regular r:id="rId11"/>
-    </p:embeddedFont>
-    <p:embeddedFont>
-      <p:font typeface="Clear Sans Regular Italics" charset="1" panose="020B0503030202090304"/>
-      <p:regular r:id="rId12"/>
-    </p:embeddedFont>
-    <p:embeddedFont>
-      <p:font typeface="Clear Sans Regular Bold Italics" charset="1" panose="020B0603030202090304"/>
-      <p:regular r:id="rId13"/>
+      <p:font typeface="Clear Sans Regular Bold" panose="020B0604020202020204" charset="0"/>
+      <p:regular r:id="rId18"/>
     </p:embeddedFont>
   </p:embeddedFontLst>
   <p:defaultTextStyle>
@@ -147,6 +131,22 @@
       </a:defRPr>
     </a:lvl9pPr>
   </p:defaultTextStyle>
+  <p:extLst>
+    <p:ext uri="{EFAFB233-063F-42B5-8137-9DF3F51BA10A}">
+      <p15:sldGuideLst xmlns:p15="http://schemas.microsoft.com/office/powerpoint/2012/main">
+        <p15:guide id="1" orient="horz" pos="2160">
+          <p15:clr>
+            <a:srgbClr val="A4A3A4"/>
+          </p15:clr>
+        </p15:guide>
+        <p15:guide id="2" pos="2880">
+          <p15:clr>
+            <a:srgbClr val="A4A3A4"/>
+          </p15:clr>
+        </p15:guide>
+      </p15:sldGuideLst>
+    </p:ext>
+  </p:extLst>
 </p:presentation>
 </file>
 
@@ -332,7 +332,7 @@
             <a:fld id="{1D8BD707-D9CF-40AE-B4C6-C98DA3205C09}" type="datetimeFigureOut">
               <a:rPr lang="en-US" smtClean="0"/>
               <a:pPr/>
-              <a:t>8/1/2011</a:t>
+              <a:t>1/9/2022</a:t>
             </a:fld>
             <a:endParaRPr lang="en-US"/>
           </a:p>
@@ -499,7 +499,7 @@
             <a:fld id="{1D8BD707-D9CF-40AE-B4C6-C98DA3205C09}" type="datetimeFigureOut">
               <a:rPr lang="en-US" smtClean="0"/>
               <a:pPr/>
-              <a:t>8/1/2011</a:t>
+              <a:t>1/9/2022</a:t>
             </a:fld>
             <a:endParaRPr lang="en-US"/>
           </a:p>
@@ -676,7 +676,7 @@
             <a:fld id="{1D8BD707-D9CF-40AE-B4C6-C98DA3205C09}" type="datetimeFigureOut">
               <a:rPr lang="en-US" smtClean="0"/>
               <a:pPr/>
-              <a:t>8/1/2011</a:t>
+              <a:t>1/9/2022</a:t>
             </a:fld>
             <a:endParaRPr lang="en-US"/>
           </a:p>
@@ -843,7 +843,7 @@
             <a:fld id="{1D8BD707-D9CF-40AE-B4C6-C98DA3205C09}" type="datetimeFigureOut">
               <a:rPr lang="en-US" smtClean="0"/>
               <a:pPr/>
-              <a:t>8/1/2011</a:t>
+              <a:t>1/9/2022</a:t>
             </a:fld>
             <a:endParaRPr lang="en-US"/>
           </a:p>
@@ -1086,7 +1086,7 @@
             <a:fld id="{1D8BD707-D9CF-40AE-B4C6-C98DA3205C09}" type="datetimeFigureOut">
               <a:rPr lang="en-US" smtClean="0"/>
               <a:pPr/>
-              <a:t>8/1/2011</a:t>
+              <a:t>1/9/2022</a:t>
             </a:fld>
             <a:endParaRPr lang="en-US"/>
           </a:p>
@@ -1371,7 +1371,7 @@
             <a:fld id="{1D8BD707-D9CF-40AE-B4C6-C98DA3205C09}" type="datetimeFigureOut">
               <a:rPr lang="en-US" smtClean="0"/>
               <a:pPr/>
-              <a:t>8/1/2011</a:t>
+              <a:t>1/9/2022</a:t>
             </a:fld>
             <a:endParaRPr lang="en-US"/>
           </a:p>
@@ -1790,7 +1790,7 @@
             <a:fld id="{1D8BD707-D9CF-40AE-B4C6-C98DA3205C09}" type="datetimeFigureOut">
               <a:rPr lang="en-US" smtClean="0"/>
               <a:pPr/>
-              <a:t>8/1/2011</a:t>
+              <a:t>1/9/2022</a:t>
             </a:fld>
             <a:endParaRPr lang="en-US"/>
           </a:p>
@@ -1905,7 +1905,7 @@
             <a:fld id="{1D8BD707-D9CF-40AE-B4C6-C98DA3205C09}" type="datetimeFigureOut">
               <a:rPr lang="en-US" smtClean="0"/>
               <a:pPr/>
-              <a:t>8/1/2011</a:t>
+              <a:t>1/9/2022</a:t>
             </a:fld>
             <a:endParaRPr lang="en-US"/>
           </a:p>
@@ -1997,7 +1997,7 @@
             <a:fld id="{1D8BD707-D9CF-40AE-B4C6-C98DA3205C09}" type="datetimeFigureOut">
               <a:rPr lang="en-US" smtClean="0"/>
               <a:pPr/>
-              <a:t>8/1/2011</a:t>
+              <a:t>1/9/2022</a:t>
             </a:fld>
             <a:endParaRPr lang="en-US"/>
           </a:p>
@@ -2271,7 +2271,7 @@
             <a:fld id="{1D8BD707-D9CF-40AE-B4C6-C98DA3205C09}" type="datetimeFigureOut">
               <a:rPr lang="en-US" smtClean="0"/>
               <a:pPr/>
-              <a:t>8/1/2011</a:t>
+              <a:t>1/9/2022</a:t>
             </a:fld>
             <a:endParaRPr lang="en-US"/>
           </a:p>
@@ -2521,7 +2521,7 @@
             <a:fld id="{1D8BD707-D9CF-40AE-B4C6-C98DA3205C09}" type="datetimeFigureOut">
               <a:rPr lang="en-US" smtClean="0"/>
               <a:pPr/>
-              <a:t>8/1/2011</a:t>
+              <a:t>1/9/2022</a:t>
             </a:fld>
             <a:endParaRPr lang="en-US"/>
           </a:p>
@@ -2731,7 +2731,7 @@
             <a:fld id="{1D8BD707-D9CF-40AE-B4C6-C98DA3205C09}" type="datetimeFigureOut">
               <a:rPr lang="en-US" smtClean="0"/>
               <a:pPr/>
-              <a:t>8/1/2011</a:t>
+              <a:t>1/9/2022</a:t>
             </a:fld>
             <a:endParaRPr lang="en-US"/>
           </a:p>
@@ -3086,13 +3086,14 @@
 </file>
 
 <file path=ppt/slides/slide1.xml><?xml version="1.0" encoding="utf-8"?>
-<p:sld xmlns:p="http://schemas.openxmlformats.org/presentationml/2006/main" xmlns:a="http://schemas.openxmlformats.org/drawingml/2006/main" xmlns:r="http://schemas.openxmlformats.org/officeDocument/2006/relationships">
+<p:sld xmlns:a="http://schemas.openxmlformats.org/drawingml/2006/main" xmlns:r="http://schemas.openxmlformats.org/officeDocument/2006/relationships" xmlns:p="http://schemas.openxmlformats.org/presentationml/2006/main">
   <p:cSld>
     <p:bg>
       <p:bgPr>
         <a:solidFill>
           <a:srgbClr val="292929"/>
         </a:solidFill>
+        <a:effectLst/>
       </p:bgPr>
     </p:bg>
     <p:spTree>
@@ -3111,7 +3112,7 @@
       </p:grpSpPr>
       <p:grpSp>
         <p:nvGrpSpPr>
-          <p:cNvPr name="Group 2" id="2"/>
+          <p:cNvPr id="2" name="Group 2"/>
           <p:cNvGrpSpPr/>
           <p:nvPr/>
         </p:nvGrpSpPr>
@@ -3125,7 +3126,7 @@
         </p:grpSpPr>
         <p:sp>
           <p:nvSpPr>
-            <p:cNvPr name="Freeform 3" id="3"/>
+            <p:cNvPr id="3" name="Freeform 3"/>
             <p:cNvSpPr/>
             <p:nvPr/>
           </p:nvSpPr>
@@ -3139,9 +3140,9 @@
               <a:gdLst/>
               <a:ahLst/>
               <a:cxnLst/>
-              <a:rect r="r" b="b" t="t" l="l"/>
+              <a:rect l="l" t="t" r="r" b="b"/>
               <a:pathLst>
-                <a:path h="1913890" w="1913890">
+                <a:path w="1913890" h="1913890">
                   <a:moveTo>
                     <a:pt x="0" y="0"/>
                   </a:moveTo>
@@ -3166,12 +3167,12 @@
       </p:grpSp>
       <p:grpSp>
         <p:nvGrpSpPr>
-          <p:cNvPr name="Group 4" id="4"/>
+          <p:cNvPr id="4" name="Group 4"/>
           <p:cNvGrpSpPr/>
           <p:nvPr/>
         </p:nvGrpSpPr>
         <p:grpSpPr>
-          <a:xfrm rot="0">
+          <a:xfrm>
             <a:off x="12551104" y="4233254"/>
             <a:ext cx="3542740" cy="3542740"/>
             <a:chOff x="0" y="0"/>
@@ -3180,7 +3181,7 @@
         </p:grpSpPr>
         <p:sp>
           <p:nvSpPr>
-            <p:cNvPr name="Freeform 5" id="5"/>
+            <p:cNvPr id="5" name="Freeform 5"/>
             <p:cNvSpPr/>
             <p:nvPr/>
           </p:nvSpPr>
@@ -3194,9 +3195,9 @@
               <a:gdLst/>
               <a:ahLst/>
               <a:cxnLst/>
-              <a:rect r="r" b="b" t="t" l="l"/>
+              <a:rect l="l" t="t" r="r" b="b"/>
               <a:pathLst>
-                <a:path h="6350000" w="6321665">
+                <a:path w="6321665" h="6350000">
                   <a:moveTo>
                     <a:pt x="3160833" y="0"/>
                   </a:moveTo>
@@ -3235,9 +3236,9 @@
       </p:grpSp>
       <p:pic>
         <p:nvPicPr>
-          <p:cNvPr name="Picture 6" id="6"/>
+          <p:cNvPr id="6" name="Picture 6"/>
           <p:cNvPicPr>
-            <a:picLocks noChangeAspect="true"/>
+            <a:picLocks noChangeAspect="1"/>
           </p:cNvPicPr>
           <p:nvPr/>
         </p:nvPicPr>
@@ -3248,17 +3249,17 @@
                 <a14:useLocalDpi xmlns:a14="http://schemas.microsoft.com/office/drawing/2010/main" val="0"/>
               </a:ext>
               <a:ext uri="{96DAC541-7B7A-43D3-8B79-37D633B846F1}">
-                <asvg:svgBlip xmlns:asvg="http://schemas.microsoft.com/office/drawing/2016/SVG/main" r:embed="rId3"/>
+                <asvg:svgBlip xmlns:asvg="http://schemas.microsoft.com/office/drawing/2016/SVG/main" xmlns="" r:embed="rId3"/>
               </a:ext>
             </a:extLst>
           </a:blip>
-          <a:srcRect l="0" t="0" r="0" b="0"/>
+          <a:srcRect/>
           <a:stretch>
             <a:fillRect/>
           </a:stretch>
         </p:blipFill>
         <p:spPr>
-          <a:xfrm flipH="false" flipV="false" rot="-1810281">
+          <a:xfrm rot="-1810281">
             <a:off x="13301523" y="7153015"/>
             <a:ext cx="4368376" cy="2184188"/>
           </a:xfrm>
@@ -3269,7 +3270,7 @@
       </p:pic>
       <p:grpSp>
         <p:nvGrpSpPr>
-          <p:cNvPr name="Group 7" id="7"/>
+          <p:cNvPr id="7" name="Group 7"/>
           <p:cNvGrpSpPr/>
           <p:nvPr/>
         </p:nvGrpSpPr>
@@ -3283,7 +3284,7 @@
         </p:grpSpPr>
         <p:sp>
           <p:nvSpPr>
-            <p:cNvPr name="Freeform 8" id="8"/>
+            <p:cNvPr id="8" name="Freeform 8"/>
             <p:cNvSpPr/>
             <p:nvPr/>
           </p:nvSpPr>
@@ -3297,9 +3298,9 @@
               <a:gdLst/>
               <a:ahLst/>
               <a:cxnLst/>
-              <a:rect r="r" b="b" t="t" l="l"/>
+              <a:rect l="l" t="t" r="r" b="b"/>
               <a:pathLst>
-                <a:path h="2338645" w="583940">
+                <a:path w="583940" h="2338645">
                   <a:moveTo>
                     <a:pt x="0" y="0"/>
                   </a:moveTo>
@@ -3324,12 +3325,12 @@
       </p:grpSp>
       <p:sp>
         <p:nvSpPr>
-          <p:cNvPr name="TextBox 9" id="9"/>
-          <p:cNvSpPr txBox="true"/>
+          <p:cNvPr id="9" name="TextBox 9"/>
+          <p:cNvSpPr txBox="1"/>
           <p:nvPr/>
         </p:nvSpPr>
         <p:spPr>
-          <a:xfrm rot="0">
+          <a:xfrm>
             <a:off x="1028700" y="8886825"/>
             <a:ext cx="3492049" cy="371475"/>
           </a:xfrm>
@@ -3338,7 +3339,7 @@
           </a:prstGeom>
         </p:spPr>
         <p:txBody>
-          <a:bodyPr anchor="t" rtlCol="false" tIns="0" lIns="0" bIns="0" rIns="0">
+          <a:bodyPr lIns="0" tIns="0" rIns="0" bIns="0" rtlCol="0" anchor="t">
             <a:spAutoFit/>
           </a:bodyPr>
           <a:lstStyle/>
@@ -3362,12 +3363,12 @@
       </p:sp>
       <p:grpSp>
         <p:nvGrpSpPr>
-          <p:cNvPr name="Group 10" id="10"/>
+          <p:cNvPr id="10" name="Group 10"/>
           <p:cNvGrpSpPr/>
           <p:nvPr/>
         </p:nvGrpSpPr>
         <p:grpSpPr>
-          <a:xfrm rot="0">
+          <a:xfrm>
             <a:off x="953812" y="3829738"/>
             <a:ext cx="11031469" cy="2174886"/>
             <a:chOff x="0" y="0"/>
@@ -3376,12 +3377,12 @@
         </p:grpSpPr>
         <p:sp>
           <p:nvSpPr>
-            <p:cNvPr name="TextBox 11" id="11"/>
-            <p:cNvSpPr txBox="true"/>
+            <p:cNvPr id="11" name="TextBox 11"/>
+            <p:cNvSpPr txBox="1"/>
             <p:nvPr/>
           </p:nvSpPr>
           <p:spPr>
-            <a:xfrm rot="0">
+            <a:xfrm>
               <a:off x="0" y="85725"/>
               <a:ext cx="14708625" cy="1964901"/>
             </a:xfrm>
@@ -3390,7 +3391,7 @@
             </a:prstGeom>
           </p:spPr>
           <p:txBody>
-            <a:bodyPr anchor="t" rtlCol="false" tIns="0" lIns="0" bIns="0" rIns="0">
+            <a:bodyPr lIns="0" tIns="0" rIns="0" bIns="0" rtlCol="0" anchor="t">
               <a:spAutoFit/>
             </a:bodyPr>
             <a:lstStyle/>
@@ -3414,12 +3415,12 @@
         </p:sp>
         <p:sp>
           <p:nvSpPr>
-            <p:cNvPr name="TextBox 12" id="12"/>
-            <p:cNvSpPr txBox="true"/>
+            <p:cNvPr id="12" name="TextBox 12"/>
+            <p:cNvSpPr txBox="1"/>
             <p:nvPr/>
           </p:nvSpPr>
           <p:spPr>
-            <a:xfrm rot="0">
+            <a:xfrm>
               <a:off x="0" y="2169597"/>
               <a:ext cx="12209188" cy="719455"/>
             </a:xfrm>
@@ -3428,12 +3429,12 @@
             </a:prstGeom>
           </p:spPr>
           <p:txBody>
-            <a:bodyPr anchor="t" rtlCol="false" tIns="0" lIns="0" bIns="0" rIns="0">
+            <a:bodyPr lIns="0" tIns="0" rIns="0" bIns="0" rtlCol="0" anchor="t">
               <a:spAutoFit/>
             </a:bodyPr>
             <a:lstStyle/>
             <a:p>
-              <a:pPr algn="l" marL="0" indent="0" lvl="0">
+              <a:pPr marL="0" lvl="0" indent="0" algn="l">
                 <a:lnSpc>
                   <a:spcPts val="4514"/>
                 </a:lnSpc>
@@ -3456,9 +3457,9 @@
       </p:grpSp>
       <p:grpSp>
         <p:nvGrpSpPr>
-          <p:cNvPr name="Group 13" id="13"/>
+          <p:cNvPr id="13" name="Group 13"/>
           <p:cNvGrpSpPr>
-            <a:grpSpLocks noChangeAspect="true"/>
+            <a:grpSpLocks noChangeAspect="1"/>
           </p:cNvGrpSpPr>
           <p:nvPr/>
         </p:nvGrpSpPr>
@@ -3472,7 +3473,7 @@
         </p:grpSpPr>
         <p:sp>
           <p:nvSpPr>
-            <p:cNvPr name="Freeform 14" id="14"/>
+            <p:cNvPr id="14" name="Freeform 14"/>
             <p:cNvSpPr/>
             <p:nvPr/>
           </p:nvSpPr>
@@ -3486,9 +3487,9 @@
               <a:gdLst/>
               <a:ahLst/>
               <a:cxnLst/>
-              <a:rect r="r" b="b" t="t" l="l"/>
+              <a:rect l="l" t="t" r="r" b="b"/>
               <a:pathLst>
-                <a:path h="5499100" w="6350000">
+                <a:path w="6350000" h="5499100">
                   <a:moveTo>
                     <a:pt x="0" y="5499100"/>
                   </a:moveTo>
@@ -3513,12 +3514,12 @@
       </p:grpSp>
       <p:sp>
         <p:nvSpPr>
-          <p:cNvPr name="TextBox 15" id="15"/>
-          <p:cNvSpPr txBox="true"/>
+          <p:cNvPr id="15" name="TextBox 15"/>
+          <p:cNvSpPr txBox="1"/>
           <p:nvPr/>
         </p:nvSpPr>
         <p:spPr>
-          <a:xfrm rot="0">
+          <a:xfrm>
             <a:off x="1028700" y="8466229"/>
             <a:ext cx="2938350" cy="371475"/>
           </a:xfrm>
@@ -3527,7 +3528,7 @@
           </a:prstGeom>
         </p:spPr>
         <p:txBody>
-          <a:bodyPr anchor="t" rtlCol="false" tIns="0" lIns="0" bIns="0" rIns="0">
+          <a:bodyPr lIns="0" tIns="0" rIns="0" bIns="0" rtlCol="0" anchor="t">
             <a:spAutoFit/>
           </a:bodyPr>
           <a:lstStyle/>
@@ -3551,12 +3552,12 @@
       </p:sp>
       <p:sp>
         <p:nvSpPr>
-          <p:cNvPr name="TextBox 16" id="16"/>
-          <p:cNvSpPr txBox="true"/>
+          <p:cNvPr id="16" name="TextBox 16"/>
+          <p:cNvSpPr txBox="1"/>
           <p:nvPr/>
         </p:nvSpPr>
         <p:spPr>
-          <a:xfrm rot="0">
+          <a:xfrm>
             <a:off x="1028700" y="8064134"/>
             <a:ext cx="2938350" cy="371475"/>
           </a:xfrm>
@@ -3565,7 +3566,7 @@
           </a:prstGeom>
         </p:spPr>
         <p:txBody>
-          <a:bodyPr anchor="t" rtlCol="false" tIns="0" lIns="0" bIns="0" rIns="0">
+          <a:bodyPr lIns="0" tIns="0" rIns="0" bIns="0" rtlCol="0" anchor="t">
             <a:spAutoFit/>
           </a:bodyPr>
           <a:lstStyle/>
@@ -3592,17 +3593,428 @@
   <p:clrMapOvr>
     <a:masterClrMapping/>
   </p:clrMapOvr>
+  <p:timing>
+    <p:tnLst>
+      <p:par>
+        <p:cTn id="1" dur="indefinite" restart="never" nodeType="tmRoot"/>
+      </p:par>
+    </p:tnLst>
+  </p:timing>
 </p:sld>
 </file>
 
 <file path=ppt/slides/slide10.xml><?xml version="1.0" encoding="utf-8"?>
-<p:sld xmlns:p="http://schemas.openxmlformats.org/presentationml/2006/main" xmlns:a="http://schemas.openxmlformats.org/drawingml/2006/main" xmlns:r="http://schemas.openxmlformats.org/officeDocument/2006/relationships">
+<p:sld xmlns:a="http://schemas.openxmlformats.org/drawingml/2006/main" xmlns:r="http://schemas.openxmlformats.org/officeDocument/2006/relationships" xmlns:p="http://schemas.openxmlformats.org/presentationml/2006/main">
   <p:cSld>
     <p:bg>
       <p:bgPr>
         <a:solidFill>
           <a:srgbClr val="292929"/>
         </a:solidFill>
+        <a:effectLst/>
+      </p:bgPr>
+    </p:bg>
+    <p:spTree>
+      <p:nvGrpSpPr>
+        <p:cNvPr id="1" name=""/>
+        <p:cNvGrpSpPr/>
+        <p:nvPr/>
+      </p:nvGrpSpPr>
+      <p:grpSpPr>
+        <a:xfrm>
+          <a:off x="0" y="0"/>
+          <a:ext cx="0" cy="0"/>
+          <a:chOff x="0" y="0"/>
+          <a:chExt cx="0" cy="0"/>
+        </a:xfrm>
+      </p:grpSpPr>
+      <p:sp>
+        <p:nvSpPr>
+          <p:cNvPr id="2" name="TextBox 2"/>
+          <p:cNvSpPr txBox="1"/>
+          <p:nvPr/>
+        </p:nvSpPr>
+        <p:spPr>
+          <a:xfrm>
+            <a:off x="1874845" y="781772"/>
+            <a:ext cx="3848100" cy="1360170"/>
+          </a:xfrm>
+          <a:prstGeom prst="rect">
+            <a:avLst/>
+          </a:prstGeom>
+        </p:spPr>
+        <p:txBody>
+          <a:bodyPr wrap="square" lIns="0" tIns="0" rIns="0" bIns="0" rtlCol="0" anchor="t">
+            <a:spAutoFit/>
+          </a:bodyPr>
+          <a:lstStyle/>
+          <a:p>
+            <a:pPr algn="just">
+              <a:lnSpc>
+                <a:spcPts val="10560"/>
+              </a:lnSpc>
+            </a:pPr>
+            <a:r>
+              <a:rPr lang="en-US" sz="9600" dirty="0" err="1">
+                <a:solidFill>
+                  <a:srgbClr val="EDEDED"/>
+                </a:solidFill>
+                <a:latin typeface="Clear Sans Regular"/>
+              </a:rPr>
+              <a:t>Вывод</a:t>
+            </a:r>
+            <a:endParaRPr lang="en-US" sz="9600" dirty="0">
+              <a:solidFill>
+                <a:srgbClr val="EDEDED"/>
+              </a:solidFill>
+              <a:latin typeface="Clear Sans Regular"/>
+            </a:endParaRPr>
+          </a:p>
+        </p:txBody>
+      </p:sp>
+      <p:sp>
+        <p:nvSpPr>
+          <p:cNvPr id="3" name="TextBox 3"/>
+          <p:cNvSpPr txBox="1"/>
+          <p:nvPr/>
+        </p:nvSpPr>
+        <p:spPr>
+          <a:xfrm>
+            <a:off x="517244" y="4656814"/>
+            <a:ext cx="5568655" cy="1587183"/>
+          </a:xfrm>
+          <a:prstGeom prst="rect">
+            <a:avLst/>
+          </a:prstGeom>
+        </p:spPr>
+        <p:txBody>
+          <a:bodyPr lIns="0" tIns="0" rIns="0" bIns="0" rtlCol="0" anchor="t">
+            <a:spAutoFit/>
+          </a:bodyPr>
+          <a:lstStyle/>
+          <a:p>
+            <a:pPr>
+              <a:lnSpc>
+                <a:spcPts val="4257"/>
+              </a:lnSpc>
+            </a:pPr>
+            <a:r>
+              <a:rPr lang="en-US" sz="3274" dirty="0" err="1">
+                <a:solidFill>
+                  <a:srgbClr val="EDEDED"/>
+                </a:solidFill>
+                <a:latin typeface="Clear Sans Regular"/>
+              </a:rPr>
+              <a:t>Подводя</a:t>
+            </a:r>
+            <a:r>
+              <a:rPr lang="en-US" sz="3274" dirty="0">
+                <a:solidFill>
+                  <a:srgbClr val="EDEDED"/>
+                </a:solidFill>
+                <a:latin typeface="Clear Sans Regular"/>
+              </a:rPr>
+              <a:t> </a:t>
+            </a:r>
+            <a:r>
+              <a:rPr lang="en-US" sz="3274" dirty="0" err="1">
+                <a:solidFill>
+                  <a:srgbClr val="EDEDED"/>
+                </a:solidFill>
+                <a:latin typeface="Clear Sans Regular"/>
+              </a:rPr>
+              <a:t>итоги</a:t>
+            </a:r>
+            <a:r>
+              <a:rPr lang="en-US" sz="3274" dirty="0">
+                <a:solidFill>
+                  <a:srgbClr val="EDEDED"/>
+                </a:solidFill>
+                <a:latin typeface="Clear Sans Regular"/>
+              </a:rPr>
+              <a:t>, </a:t>
+            </a:r>
+            <a:r>
+              <a:rPr lang="en-US" sz="3274" dirty="0" err="1">
+                <a:solidFill>
+                  <a:srgbClr val="EDEDED"/>
+                </a:solidFill>
+                <a:latin typeface="Clear Sans Regular"/>
+              </a:rPr>
+              <a:t>можем</a:t>
+            </a:r>
+            <a:r>
+              <a:rPr lang="en-US" sz="3274" dirty="0">
+                <a:solidFill>
+                  <a:srgbClr val="EDEDED"/>
+                </a:solidFill>
+                <a:latin typeface="Clear Sans Regular"/>
+              </a:rPr>
+              <a:t> </a:t>
+            </a:r>
+            <a:r>
+              <a:rPr lang="en-US" sz="3274" dirty="0" err="1">
+                <a:solidFill>
+                  <a:srgbClr val="EDEDED"/>
+                </a:solidFill>
+                <a:latin typeface="Clear Sans Regular"/>
+              </a:rPr>
+              <a:t>сказать</a:t>
+            </a:r>
+            <a:r>
+              <a:rPr lang="en-US" sz="3274" dirty="0">
+                <a:solidFill>
+                  <a:srgbClr val="EDEDED"/>
+                </a:solidFill>
+                <a:latin typeface="Clear Sans Regular"/>
+              </a:rPr>
+              <a:t>, </a:t>
+            </a:r>
+            <a:r>
+              <a:rPr lang="en-US" sz="3274" dirty="0" err="1">
+                <a:solidFill>
+                  <a:srgbClr val="EDEDED"/>
+                </a:solidFill>
+                <a:latin typeface="Clear Sans Regular"/>
+              </a:rPr>
+              <a:t>что</a:t>
+            </a:r>
+            <a:r>
+              <a:rPr lang="en-US" sz="3274" dirty="0">
+                <a:solidFill>
+                  <a:srgbClr val="EDEDED"/>
+                </a:solidFill>
+                <a:latin typeface="Clear Sans Regular"/>
+              </a:rPr>
+              <a:t> </a:t>
+            </a:r>
+            <a:r>
+              <a:rPr lang="en-US" sz="3274" dirty="0" err="1">
+                <a:solidFill>
+                  <a:srgbClr val="EDEDED"/>
+                </a:solidFill>
+                <a:latin typeface="Clear Sans Regular"/>
+              </a:rPr>
+              <a:t>мы</a:t>
+            </a:r>
+            <a:r>
+              <a:rPr lang="en-US" sz="3274" dirty="0">
+                <a:solidFill>
+                  <a:srgbClr val="EDEDED"/>
+                </a:solidFill>
+                <a:latin typeface="Clear Sans Regular"/>
+              </a:rPr>
+              <a:t> </a:t>
+            </a:r>
+            <a:r>
+              <a:rPr lang="en-US" sz="3274" dirty="0" err="1">
+                <a:solidFill>
+                  <a:srgbClr val="EDEDED"/>
+                </a:solidFill>
+                <a:latin typeface="Clear Sans Regular"/>
+              </a:rPr>
+              <a:t>справились</a:t>
+            </a:r>
+            <a:r>
+              <a:rPr lang="en-US" sz="3274" dirty="0">
+                <a:solidFill>
+                  <a:srgbClr val="EDEDED"/>
+                </a:solidFill>
+                <a:latin typeface="Clear Sans Regular"/>
+              </a:rPr>
+              <a:t> с </a:t>
+            </a:r>
+            <a:r>
+              <a:rPr lang="en-US" sz="3274" dirty="0" err="1">
+                <a:solidFill>
+                  <a:srgbClr val="EDEDED"/>
+                </a:solidFill>
+                <a:latin typeface="Clear Sans Regular"/>
+              </a:rPr>
+              <a:t>поставленной</a:t>
+            </a:r>
+            <a:r>
+              <a:rPr lang="en-US" sz="3274" dirty="0">
+                <a:solidFill>
+                  <a:srgbClr val="EDEDED"/>
+                </a:solidFill>
+                <a:latin typeface="Clear Sans Regular"/>
+              </a:rPr>
+              <a:t> </a:t>
+            </a:r>
+            <a:r>
+              <a:rPr lang="en-US" sz="3274" dirty="0" err="1">
+                <a:solidFill>
+                  <a:srgbClr val="EDEDED"/>
+                </a:solidFill>
+                <a:latin typeface="Clear Sans Regular"/>
+              </a:rPr>
+              <a:t>задачей</a:t>
+            </a:r>
+            <a:r>
+              <a:rPr lang="en-US" sz="3274" dirty="0">
+                <a:solidFill>
+                  <a:srgbClr val="EDEDED"/>
+                </a:solidFill>
+                <a:latin typeface="Clear Sans Regular"/>
+              </a:rPr>
+              <a:t>.</a:t>
+            </a:r>
+          </a:p>
+        </p:txBody>
+      </p:sp>
+      <p:grpSp>
+        <p:nvGrpSpPr>
+          <p:cNvPr id="6" name="Group 6"/>
+          <p:cNvGrpSpPr/>
+          <p:nvPr/>
+        </p:nvGrpSpPr>
+        <p:grpSpPr>
+          <a:xfrm rot="817475">
+            <a:off x="11005106" y="4865881"/>
+            <a:ext cx="2358924" cy="3295507"/>
+            <a:chOff x="0" y="0"/>
+            <a:chExt cx="4545330" cy="6350000"/>
+          </a:xfrm>
+        </p:grpSpPr>
+        <p:sp>
+          <p:nvSpPr>
+            <p:cNvPr id="7" name="Freeform 7"/>
+            <p:cNvSpPr/>
+            <p:nvPr/>
+          </p:nvSpPr>
+          <p:spPr>
+            <a:xfrm>
+              <a:off x="0" y="0"/>
+              <a:ext cx="4545330" cy="6350000"/>
+            </a:xfrm>
+            <a:custGeom>
+              <a:avLst/>
+              <a:gdLst/>
+              <a:ahLst/>
+              <a:cxnLst/>
+              <a:rect l="l" t="t" r="r" b="b"/>
+              <a:pathLst>
+                <a:path w="4545330" h="6350000">
+                  <a:moveTo>
+                    <a:pt x="4545330" y="0"/>
+                  </a:moveTo>
+                  <a:lnTo>
+                    <a:pt x="2574290" y="6350000"/>
+                  </a:lnTo>
+                  <a:lnTo>
+                    <a:pt x="2474849" y="6350000"/>
+                  </a:lnTo>
+                  <a:lnTo>
+                    <a:pt x="2078101" y="6350000"/>
+                  </a:lnTo>
+                  <a:lnTo>
+                    <a:pt x="0" y="6350000"/>
+                  </a:lnTo>
+                  <a:lnTo>
+                    <a:pt x="1971040" y="0"/>
+                  </a:lnTo>
+                  <a:lnTo>
+                    <a:pt x="2078101" y="0"/>
+                  </a:lnTo>
+                  <a:lnTo>
+                    <a:pt x="2474849" y="0"/>
+                  </a:lnTo>
+                  <a:lnTo>
+                    <a:pt x="4545330" y="0"/>
+                  </a:lnTo>
+                  <a:close/>
+                </a:path>
+              </a:pathLst>
+            </a:custGeom>
+            <a:solidFill>
+              <a:srgbClr val="125982"/>
+            </a:solidFill>
+          </p:spPr>
+        </p:sp>
+      </p:grpSp>
+      <p:pic>
+        <p:nvPicPr>
+          <p:cNvPr id="8" name="Picture 8"/>
+          <p:cNvPicPr>
+            <a:picLocks noChangeAspect="1"/>
+          </p:cNvPicPr>
+          <p:nvPr/>
+        </p:nvPicPr>
+        <p:blipFill>
+          <a:blip r:embed="rId2">
+            <a:extLst>
+              <a:ext uri="{28A0092B-C50C-407E-A947-70E740481C1C}">
+                <a14:useLocalDpi xmlns:a14="http://schemas.microsoft.com/office/drawing/2010/main" val="0"/>
+              </a:ext>
+              <a:ext uri="{96DAC541-7B7A-43D3-8B79-37D633B846F1}">
+                <asvg:svgBlip xmlns:asvg="http://schemas.microsoft.com/office/drawing/2016/SVG/main" xmlns="" r:embed="rId3"/>
+              </a:ext>
+            </a:extLst>
+          </a:blip>
+          <a:srcRect/>
+          <a:stretch>
+            <a:fillRect/>
+          </a:stretch>
+        </p:blipFill>
+        <p:spPr>
+          <a:xfrm>
+            <a:off x="14947006" y="4809852"/>
+            <a:ext cx="2312294" cy="2312294"/>
+          </a:xfrm>
+          <a:prstGeom prst="rect">
+            <a:avLst/>
+          </a:prstGeom>
+        </p:spPr>
+      </p:pic>
+      <p:pic>
+        <p:nvPicPr>
+          <p:cNvPr id="9" name="Рисунок 8"/>
+          <p:cNvPicPr>
+            <a:picLocks noChangeAspect="1"/>
+          </p:cNvPicPr>
+          <p:nvPr/>
+        </p:nvPicPr>
+        <p:blipFill>
+          <a:blip r:embed="rId4"/>
+          <a:stretch>
+            <a:fillRect/>
+          </a:stretch>
+        </p:blipFill>
+        <p:spPr>
+          <a:xfrm>
+            <a:off x="6569090" y="2141942"/>
+            <a:ext cx="11714147" cy="6586537"/>
+          </a:xfrm>
+          <a:prstGeom prst="rect">
+            <a:avLst/>
+          </a:prstGeom>
+        </p:spPr>
+      </p:pic>
+    </p:spTree>
+  </p:cSld>
+  <p:clrMapOvr>
+    <a:masterClrMapping/>
+  </p:clrMapOvr>
+  <p:timing>
+    <p:tnLst>
+      <p:par>
+        <p:cTn id="1" dur="indefinite" restart="never" nodeType="tmRoot"/>
+      </p:par>
+    </p:tnLst>
+  </p:timing>
+</p:sld>
+</file>
+
+<file path=ppt/slides/slide11.xml><?xml version="1.0" encoding="utf-8"?>
+<p:sld xmlns:a="http://schemas.openxmlformats.org/drawingml/2006/main" xmlns:r="http://schemas.openxmlformats.org/officeDocument/2006/relationships" xmlns:p="http://schemas.openxmlformats.org/presentationml/2006/main">
+  <p:cSld>
+    <p:bg>
+      <p:bgPr>
+        <a:solidFill>
+          <a:srgbClr val="292929"/>
+        </a:solidFill>
+        <a:effectLst/>
       </p:bgPr>
     </p:bg>
     <p:spTree>
@@ -3621,9 +4033,9 @@
       </p:grpSpPr>
       <p:pic>
         <p:nvPicPr>
-          <p:cNvPr name="Picture 2" id="2"/>
+          <p:cNvPr id="2" name="Picture 2"/>
           <p:cNvPicPr>
-            <a:picLocks noChangeAspect="true"/>
+            <a:picLocks noChangeAspect="1"/>
           </p:cNvPicPr>
           <p:nvPr/>
         </p:nvPicPr>
@@ -3634,17 +4046,17 @@
                 <a14:useLocalDpi xmlns:a14="http://schemas.microsoft.com/office/drawing/2010/main" val="0"/>
               </a:ext>
               <a:ext uri="{96DAC541-7B7A-43D3-8B79-37D633B846F1}">
-                <asvg:svgBlip xmlns:asvg="http://schemas.microsoft.com/office/drawing/2016/SVG/main" r:embed="rId3"/>
+                <asvg:svgBlip xmlns:asvg="http://schemas.microsoft.com/office/drawing/2016/SVG/main" xmlns="" r:embed="rId3"/>
               </a:ext>
             </a:extLst>
           </a:blip>
-          <a:srcRect l="0" t="0" r="0" b="0"/>
+          <a:srcRect/>
           <a:stretch>
             <a:fillRect/>
           </a:stretch>
         </p:blipFill>
         <p:spPr>
-          <a:xfrm flipH="false" flipV="false" rot="490049">
+          <a:xfrm rot="490049">
             <a:off x="6482999" y="6536763"/>
             <a:ext cx="4787242" cy="2393621"/>
           </a:xfrm>
@@ -3655,7 +4067,7 @@
       </p:pic>
       <p:grpSp>
         <p:nvGrpSpPr>
-          <p:cNvPr name="Group 3" id="3"/>
+          <p:cNvPr id="3" name="Group 3"/>
           <p:cNvGrpSpPr/>
           <p:nvPr/>
         </p:nvGrpSpPr>
@@ -3669,7 +4081,7 @@
         </p:grpSpPr>
         <p:sp>
           <p:nvSpPr>
-            <p:cNvPr name="Freeform 4" id="4"/>
+            <p:cNvPr id="4" name="Freeform 4"/>
             <p:cNvSpPr/>
             <p:nvPr/>
           </p:nvSpPr>
@@ -3683,9 +4095,9 @@
               <a:gdLst/>
               <a:ahLst/>
               <a:cxnLst/>
-              <a:rect r="r" b="b" t="t" l="l"/>
+              <a:rect l="l" t="t" r="r" b="b"/>
               <a:pathLst>
-                <a:path h="2708591" w="885528">
+                <a:path w="885528" h="2708591">
                   <a:moveTo>
                     <a:pt x="0" y="0"/>
                   </a:moveTo>
@@ -3710,7 +4122,7 @@
       </p:grpSp>
       <p:grpSp>
         <p:nvGrpSpPr>
-          <p:cNvPr name="Group 5" id="5"/>
+          <p:cNvPr id="5" name="Group 5"/>
           <p:cNvGrpSpPr/>
           <p:nvPr/>
         </p:nvGrpSpPr>
@@ -3724,7 +4136,7 @@
         </p:grpSpPr>
         <p:sp>
           <p:nvSpPr>
-            <p:cNvPr name="Freeform 6" id="6"/>
+            <p:cNvPr id="6" name="Freeform 6"/>
             <p:cNvSpPr/>
             <p:nvPr/>
           </p:nvSpPr>
@@ -3738,9 +4150,9 @@
               <a:gdLst/>
               <a:ahLst/>
               <a:cxnLst/>
-              <a:rect r="r" b="b" t="t" l="l"/>
+              <a:rect l="l" t="t" r="r" b="b"/>
               <a:pathLst>
-                <a:path h="6350000" w="4545330">
+                <a:path w="4545330" h="6350000">
                   <a:moveTo>
                     <a:pt x="4545330" y="0"/>
                   </a:moveTo>
@@ -3780,12 +4192,12 @@
       </p:grpSp>
       <p:grpSp>
         <p:nvGrpSpPr>
-          <p:cNvPr name="Group 7" id="7"/>
+          <p:cNvPr id="7" name="Group 7"/>
           <p:cNvGrpSpPr/>
           <p:nvPr/>
         </p:nvGrpSpPr>
         <p:grpSpPr>
-          <a:xfrm rot="0">
+          <a:xfrm>
             <a:off x="12692913" y="7123454"/>
             <a:ext cx="1681809" cy="1681809"/>
             <a:chOff x="0" y="0"/>
@@ -3794,7 +4206,7 @@
         </p:grpSpPr>
         <p:sp>
           <p:nvSpPr>
-            <p:cNvPr name="Freeform 8" id="8"/>
+            <p:cNvPr id="8" name="Freeform 8"/>
             <p:cNvSpPr/>
             <p:nvPr/>
           </p:nvSpPr>
@@ -3808,9 +4220,9 @@
               <a:gdLst/>
               <a:ahLst/>
               <a:cxnLst/>
-              <a:rect r="r" b="b" t="t" l="l"/>
+              <a:rect l="l" t="t" r="r" b="b"/>
               <a:pathLst>
-                <a:path h="6350000" w="6321665">
+                <a:path w="6321665" h="6350000">
                   <a:moveTo>
                     <a:pt x="3160833" y="0"/>
                   </a:moveTo>
@@ -3849,9 +4261,9 @@
       </p:grpSp>
       <p:grpSp>
         <p:nvGrpSpPr>
-          <p:cNvPr name="Group 9" id="9"/>
+          <p:cNvPr id="9" name="Group 9"/>
           <p:cNvGrpSpPr>
-            <a:grpSpLocks noChangeAspect="true"/>
+            <a:grpSpLocks noChangeAspect="1"/>
           </p:cNvGrpSpPr>
           <p:nvPr/>
         </p:nvGrpSpPr>
@@ -3865,7 +4277,7 @@
         </p:grpSpPr>
         <p:sp>
           <p:nvSpPr>
-            <p:cNvPr name="Freeform 10" id="10"/>
+            <p:cNvPr id="10" name="Freeform 10"/>
             <p:cNvSpPr/>
             <p:nvPr/>
           </p:nvSpPr>
@@ -3879,9 +4291,9 @@
               <a:gdLst/>
               <a:ahLst/>
               <a:cxnLst/>
-              <a:rect r="r" b="b" t="t" l="l"/>
+              <a:rect l="l" t="t" r="r" b="b"/>
               <a:pathLst>
-                <a:path h="5499100" w="6350000">
+                <a:path w="6350000" h="5499100">
                   <a:moveTo>
                     <a:pt x="0" y="5499100"/>
                   </a:moveTo>
@@ -3906,12 +4318,12 @@
       </p:grpSp>
       <p:sp>
         <p:nvSpPr>
-          <p:cNvPr name="TextBox 11" id="11"/>
-          <p:cNvSpPr txBox="true"/>
+          <p:cNvPr id="11" name="TextBox 11"/>
+          <p:cNvSpPr txBox="1"/>
           <p:nvPr/>
         </p:nvSpPr>
         <p:spPr>
-          <a:xfrm rot="0">
+          <a:xfrm>
             <a:off x="1028700" y="1123950"/>
             <a:ext cx="14012154" cy="1360170"/>
           </a:xfrm>
@@ -3920,7 +4332,7 @@
           </a:prstGeom>
         </p:spPr>
         <p:txBody>
-          <a:bodyPr anchor="t" rtlCol="false" tIns="0" lIns="0" bIns="0" rIns="0">
+          <a:bodyPr lIns="0" tIns="0" rIns="0" bIns="0" rtlCol="0" anchor="t">
             <a:spAutoFit/>
           </a:bodyPr>
           <a:lstStyle/>
@@ -3944,9 +4356,9 @@
       </p:sp>
       <p:pic>
         <p:nvPicPr>
-          <p:cNvPr name="Picture 12" id="12"/>
+          <p:cNvPr id="12" name="Picture 12"/>
           <p:cNvPicPr>
-            <a:picLocks noChangeAspect="true"/>
+            <a:picLocks noChangeAspect="1"/>
           </p:cNvPicPr>
           <p:nvPr/>
         </p:nvPicPr>
@@ -3957,17 +4369,17 @@
                 <a14:useLocalDpi xmlns:a14="http://schemas.microsoft.com/office/drawing/2010/main" val="0"/>
               </a:ext>
               <a:ext uri="{96DAC541-7B7A-43D3-8B79-37D633B846F1}">
-                <asvg:svgBlip xmlns:asvg="http://schemas.microsoft.com/office/drawing/2016/SVG/main" r:embed="rId5"/>
+                <asvg:svgBlip xmlns:asvg="http://schemas.microsoft.com/office/drawing/2016/SVG/main" xmlns="" r:embed="rId5"/>
               </a:ext>
             </a:extLst>
           </a:blip>
-          <a:srcRect l="0" t="0" r="0" b="0"/>
+          <a:srcRect/>
           <a:stretch>
             <a:fillRect/>
           </a:stretch>
         </p:blipFill>
         <p:spPr>
-          <a:xfrm flipH="false" flipV="false" rot="0">
+          <a:xfrm>
             <a:off x="9383290" y="3039065"/>
             <a:ext cx="2133697" cy="2133697"/>
           </a:xfrm>
@@ -3981,17 +4393,25 @@
   <p:clrMapOvr>
     <a:masterClrMapping/>
   </p:clrMapOvr>
+  <p:timing>
+    <p:tnLst>
+      <p:par>
+        <p:cTn id="1" dur="indefinite" restart="never" nodeType="tmRoot"/>
+      </p:par>
+    </p:tnLst>
+  </p:timing>
 </p:sld>
 </file>
 
 <file path=ppt/slides/slide2.xml><?xml version="1.0" encoding="utf-8"?>
-<p:sld xmlns:p="http://schemas.openxmlformats.org/presentationml/2006/main" xmlns:a="http://schemas.openxmlformats.org/drawingml/2006/main">
+<p:sld xmlns:a="http://schemas.openxmlformats.org/drawingml/2006/main" xmlns:r="http://schemas.openxmlformats.org/officeDocument/2006/relationships" xmlns:p="http://schemas.openxmlformats.org/presentationml/2006/main">
   <p:cSld>
     <p:bg>
       <p:bgPr>
         <a:solidFill>
           <a:srgbClr val="292929"/>
         </a:solidFill>
+        <a:effectLst/>
       </p:bgPr>
     </p:bg>
     <p:spTree>
@@ -4010,7 +4430,7 @@
       </p:grpSpPr>
       <p:grpSp>
         <p:nvGrpSpPr>
-          <p:cNvPr name="Group 2" id="2"/>
+          <p:cNvPr id="2" name="Group 2"/>
           <p:cNvGrpSpPr/>
           <p:nvPr/>
         </p:nvGrpSpPr>
@@ -4024,7 +4444,7 @@
         </p:grpSpPr>
         <p:sp>
           <p:nvSpPr>
-            <p:cNvPr name="Freeform 3" id="3"/>
+            <p:cNvPr id="3" name="Freeform 3"/>
             <p:cNvSpPr/>
             <p:nvPr/>
           </p:nvSpPr>
@@ -4038,9 +4458,9 @@
               <a:gdLst/>
               <a:ahLst/>
               <a:cxnLst/>
-              <a:rect r="r" b="b" t="t" l="l"/>
+              <a:rect l="l" t="t" r="r" b="b"/>
               <a:pathLst>
-                <a:path h="6350000" w="6321665">
+                <a:path w="6321665" h="6350000">
                   <a:moveTo>
                     <a:pt x="3160833" y="0"/>
                   </a:moveTo>
@@ -4079,12 +4499,12 @@
       </p:grpSp>
       <p:sp>
         <p:nvSpPr>
-          <p:cNvPr name="TextBox 4" id="4"/>
-          <p:cNvSpPr txBox="true"/>
+          <p:cNvPr id="4" name="TextBox 4"/>
+          <p:cNvSpPr txBox="1"/>
           <p:nvPr/>
         </p:nvSpPr>
         <p:spPr>
-          <a:xfrm rot="0">
+          <a:xfrm>
             <a:off x="8067327" y="3383984"/>
             <a:ext cx="7540113" cy="1244917"/>
           </a:xfrm>
@@ -4093,7 +4513,7 @@
           </a:prstGeom>
         </p:spPr>
         <p:txBody>
-          <a:bodyPr anchor="t" rtlCol="false" tIns="0" lIns="0" bIns="0" rIns="0">
+          <a:bodyPr lIns="0" tIns="0" rIns="0" bIns="0" rtlCol="0" anchor="t">
             <a:spAutoFit/>
           </a:bodyPr>
           <a:lstStyle/>
@@ -4117,12 +4537,12 @@
       </p:sp>
       <p:sp>
         <p:nvSpPr>
-          <p:cNvPr name="TextBox 5" id="5"/>
-          <p:cNvSpPr txBox="true"/>
+          <p:cNvPr id="5" name="TextBox 5"/>
+          <p:cNvSpPr txBox="1"/>
           <p:nvPr/>
         </p:nvSpPr>
         <p:spPr>
-          <a:xfrm rot="0">
+          <a:xfrm>
             <a:off x="8067327" y="6584516"/>
             <a:ext cx="6355935" cy="843280"/>
           </a:xfrm>
@@ -4131,7 +4551,7 @@
           </a:prstGeom>
         </p:spPr>
         <p:txBody>
-          <a:bodyPr anchor="t" rtlCol="false" tIns="0" lIns="0" bIns="0" rIns="0">
+          <a:bodyPr lIns="0" tIns="0" rIns="0" bIns="0" rtlCol="0" anchor="t">
             <a:spAutoFit/>
           </a:bodyPr>
           <a:lstStyle/>
@@ -4155,12 +4575,12 @@
       </p:sp>
       <p:grpSp>
         <p:nvGrpSpPr>
-          <p:cNvPr name="Group 6" id="6"/>
+          <p:cNvPr id="6" name="Group 6"/>
           <p:cNvGrpSpPr/>
           <p:nvPr/>
         </p:nvGrpSpPr>
         <p:grpSpPr>
-          <a:xfrm rot="0">
+          <a:xfrm>
             <a:off x="1028683" y="8047177"/>
             <a:ext cx="1211123" cy="1211123"/>
             <a:chOff x="0" y="0"/>
@@ -4169,7 +4589,7 @@
         </p:grpSpPr>
         <p:sp>
           <p:nvSpPr>
-            <p:cNvPr name="Freeform 7" id="7"/>
+            <p:cNvPr id="7" name="Freeform 7"/>
             <p:cNvSpPr/>
             <p:nvPr/>
           </p:nvSpPr>
@@ -4183,9 +4603,9 @@
               <a:gdLst/>
               <a:ahLst/>
               <a:cxnLst/>
-              <a:rect r="r" b="b" t="t" l="l"/>
+              <a:rect l="l" t="t" r="r" b="b"/>
               <a:pathLst>
-                <a:path h="6350000" w="6321665">
+                <a:path w="6321665" h="6350000">
                   <a:moveTo>
                     <a:pt x="3160833" y="0"/>
                   </a:moveTo>
@@ -4224,12 +4644,12 @@
       </p:grpSp>
       <p:grpSp>
         <p:nvGrpSpPr>
-          <p:cNvPr name="Group 8" id="8"/>
+          <p:cNvPr id="8" name="Group 8"/>
           <p:cNvGrpSpPr/>
           <p:nvPr/>
         </p:nvGrpSpPr>
         <p:grpSpPr>
-          <a:xfrm rot="0">
+          <a:xfrm>
             <a:off x="2239806" y="8047177"/>
             <a:ext cx="1211123" cy="1211123"/>
             <a:chOff x="0" y="0"/>
@@ -4238,7 +4658,7 @@
         </p:grpSpPr>
         <p:sp>
           <p:nvSpPr>
-            <p:cNvPr name="Freeform 9" id="9"/>
+            <p:cNvPr id="9" name="Freeform 9"/>
             <p:cNvSpPr/>
             <p:nvPr/>
           </p:nvSpPr>
@@ -4252,9 +4672,9 @@
               <a:gdLst/>
               <a:ahLst/>
               <a:cxnLst/>
-              <a:rect r="r" b="b" t="t" l="l"/>
+              <a:rect l="l" t="t" r="r" b="b"/>
               <a:pathLst>
-                <a:path h="6350000" w="6321665">
+                <a:path w="6321665" h="6350000">
                   <a:moveTo>
                     <a:pt x="3160833" y="0"/>
                   </a:moveTo>
@@ -4293,12 +4713,12 @@
       </p:grpSp>
       <p:grpSp>
         <p:nvGrpSpPr>
-          <p:cNvPr name="Group 10" id="10"/>
+          <p:cNvPr id="10" name="Group 10"/>
           <p:cNvGrpSpPr/>
           <p:nvPr/>
         </p:nvGrpSpPr>
         <p:grpSpPr>
-          <a:xfrm rot="0">
+          <a:xfrm>
             <a:off x="1634245" y="7015681"/>
             <a:ext cx="1211123" cy="1211123"/>
             <a:chOff x="0" y="0"/>
@@ -4307,7 +4727,7 @@
         </p:grpSpPr>
         <p:sp>
           <p:nvSpPr>
-            <p:cNvPr name="Freeform 11" id="11"/>
+            <p:cNvPr id="11" name="Freeform 11"/>
             <p:cNvSpPr/>
             <p:nvPr/>
           </p:nvSpPr>
@@ -4321,9 +4741,9 @@
               <a:gdLst/>
               <a:ahLst/>
               <a:cxnLst/>
-              <a:rect r="r" b="b" t="t" l="l"/>
+              <a:rect l="l" t="t" r="r" b="b"/>
               <a:pathLst>
-                <a:path h="6350000" w="6321665">
+                <a:path w="6321665" h="6350000">
                   <a:moveTo>
                     <a:pt x="3160833" y="0"/>
                   </a:moveTo>
@@ -4362,7 +4782,7 @@
       </p:grpSp>
       <p:grpSp>
         <p:nvGrpSpPr>
-          <p:cNvPr name="Group 12" id="12"/>
+          <p:cNvPr id="12" name="Group 12"/>
           <p:cNvGrpSpPr/>
           <p:nvPr/>
         </p:nvGrpSpPr>
@@ -4376,7 +4796,7 @@
         </p:grpSpPr>
         <p:sp>
           <p:nvSpPr>
-            <p:cNvPr name="Freeform 13" id="13"/>
+            <p:cNvPr id="13" name="Freeform 13"/>
             <p:cNvSpPr/>
             <p:nvPr/>
           </p:nvSpPr>
@@ -4390,9 +4810,9 @@
               <a:gdLst/>
               <a:ahLst/>
               <a:cxnLst/>
-              <a:rect r="r" b="b" t="t" l="l"/>
+              <a:rect l="l" t="t" r="r" b="b"/>
               <a:pathLst>
-                <a:path h="1913890" w="1913890">
+                <a:path w="1913890" h="1913890">
                   <a:moveTo>
                     <a:pt x="0" y="0"/>
                   </a:moveTo>
@@ -4420,17 +4840,413 @@
   <p:clrMapOvr>
     <a:masterClrMapping/>
   </p:clrMapOvr>
+  <p:timing>
+    <p:tnLst>
+      <p:par>
+        <p:cTn id="1" dur="indefinite" restart="never" nodeType="tmRoot"/>
+      </p:par>
+    </p:tnLst>
+  </p:timing>
 </p:sld>
 </file>
 
 <file path=ppt/slides/slide3.xml><?xml version="1.0" encoding="utf-8"?>
-<p:sld xmlns:p="http://schemas.openxmlformats.org/presentationml/2006/main" xmlns:a="http://schemas.openxmlformats.org/drawingml/2006/main" xmlns:r="http://schemas.openxmlformats.org/officeDocument/2006/relationships">
+<p:sld xmlns:a="http://schemas.openxmlformats.org/drawingml/2006/main" xmlns:r="http://schemas.openxmlformats.org/officeDocument/2006/relationships" xmlns:p="http://schemas.openxmlformats.org/presentationml/2006/main">
   <p:cSld>
     <p:bg>
       <p:bgPr>
         <a:solidFill>
           <a:srgbClr val="292929"/>
         </a:solidFill>
+        <a:effectLst/>
+      </p:bgPr>
+    </p:bg>
+    <p:spTree>
+      <p:nvGrpSpPr>
+        <p:cNvPr id="1" name=""/>
+        <p:cNvGrpSpPr/>
+        <p:nvPr/>
+      </p:nvGrpSpPr>
+      <p:grpSpPr>
+        <a:xfrm>
+          <a:off x="0" y="0"/>
+          <a:ext cx="0" cy="0"/>
+          <a:chOff x="0" y="0"/>
+          <a:chExt cx="0" cy="0"/>
+        </a:xfrm>
+      </p:grpSpPr>
+      <p:sp>
+        <p:nvSpPr>
+          <p:cNvPr id="7" name="TextBox 7"/>
+          <p:cNvSpPr txBox="1"/>
+          <p:nvPr/>
+        </p:nvSpPr>
+        <p:spPr>
+          <a:xfrm>
+            <a:off x="5791200" y="266700"/>
+            <a:ext cx="9200862" cy="1024890"/>
+          </a:xfrm>
+          <a:prstGeom prst="rect">
+            <a:avLst/>
+          </a:prstGeom>
+        </p:spPr>
+        <p:txBody>
+          <a:bodyPr lIns="0" tIns="0" rIns="0" bIns="0" rtlCol="0" anchor="t">
+            <a:spAutoFit/>
+          </a:bodyPr>
+          <a:lstStyle/>
+          <a:p>
+            <a:pPr>
+              <a:lnSpc>
+                <a:spcPts val="7920"/>
+              </a:lnSpc>
+            </a:pPr>
+            <a:r>
+              <a:rPr lang="en-US" sz="7200" dirty="0" err="1">
+                <a:solidFill>
+                  <a:srgbClr val="EDEDED"/>
+                </a:solidFill>
+                <a:latin typeface="Clear Sans Regular"/>
+              </a:rPr>
+              <a:t>Задумка</a:t>
+            </a:r>
+            <a:r>
+              <a:rPr lang="en-US" sz="7200" dirty="0">
+                <a:solidFill>
+                  <a:srgbClr val="EDEDED"/>
+                </a:solidFill>
+                <a:latin typeface="Clear Sans Regular"/>
+              </a:rPr>
+              <a:t> </a:t>
+            </a:r>
+            <a:r>
+              <a:rPr lang="en-US" sz="7200" dirty="0" err="1">
+                <a:solidFill>
+                  <a:srgbClr val="EDEDED"/>
+                </a:solidFill>
+                <a:latin typeface="Clear Sans Regular"/>
+              </a:rPr>
+              <a:t>игры</a:t>
+            </a:r>
+            <a:endParaRPr lang="en-US" sz="7200" dirty="0">
+              <a:solidFill>
+                <a:srgbClr val="EDEDED"/>
+              </a:solidFill>
+              <a:latin typeface="Clear Sans Regular"/>
+            </a:endParaRPr>
+          </a:p>
+        </p:txBody>
+      </p:sp>
+      <p:pic>
+        <p:nvPicPr>
+          <p:cNvPr id="8" name="Рисунок 7"/>
+          <p:cNvPicPr>
+            <a:picLocks noChangeAspect="1"/>
+          </p:cNvPicPr>
+          <p:nvPr/>
+        </p:nvPicPr>
+        <p:blipFill>
+          <a:blip r:embed="rId2"/>
+          <a:stretch>
+            <a:fillRect/>
+          </a:stretch>
+        </p:blipFill>
+        <p:spPr>
+          <a:xfrm>
+            <a:off x="2590800" y="1291590"/>
+            <a:ext cx="12944475" cy="7282111"/>
+          </a:xfrm>
+          <a:prstGeom prst="rect">
+            <a:avLst/>
+          </a:prstGeom>
+        </p:spPr>
+      </p:pic>
+      <p:sp>
+        <p:nvSpPr>
+          <p:cNvPr id="11" name="Заголовок 10"/>
+          <p:cNvSpPr>
+            <a:spLocks noGrp="1"/>
+          </p:cNvSpPr>
+          <p:nvPr>
+            <p:ph type="title"/>
+          </p:nvPr>
+        </p:nvSpPr>
+        <p:spPr>
+          <a:xfrm>
+            <a:off x="625480" y="8724900"/>
+            <a:ext cx="17433920" cy="885522"/>
+          </a:xfrm>
+        </p:spPr>
+        <p:txBody>
+          <a:bodyPr>
+            <a:normAutofit/>
+          </a:bodyPr>
+          <a:lstStyle/>
+          <a:p>
+            <a:r>
+              <a:rPr lang="ru-RU" dirty="0" smtClean="0">
+                <a:solidFill>
+                  <a:schemeClr val="bg1"/>
+                </a:solidFill>
+              </a:rPr>
+              <a:t>Все действия игры разворачиваются под водой </a:t>
+            </a:r>
+            <a:endParaRPr lang="ru-RU" dirty="0">
+              <a:solidFill>
+                <a:schemeClr val="bg1"/>
+              </a:solidFill>
+            </a:endParaRPr>
+          </a:p>
+        </p:txBody>
+      </p:sp>
+    </p:spTree>
+  </p:cSld>
+  <p:clrMapOvr>
+    <a:masterClrMapping/>
+  </p:clrMapOvr>
+  <p:timing>
+    <p:tnLst>
+      <p:par>
+        <p:cTn id="1" dur="indefinite" restart="never" nodeType="tmRoot"/>
+      </p:par>
+    </p:tnLst>
+  </p:timing>
+</p:sld>
+</file>
+
+<file path=ppt/slides/slide4.xml><?xml version="1.0" encoding="utf-8"?>
+<p:sld xmlns:a="http://schemas.openxmlformats.org/drawingml/2006/main" xmlns:r="http://schemas.openxmlformats.org/officeDocument/2006/relationships" xmlns:p="http://schemas.openxmlformats.org/presentationml/2006/main">
+  <p:cSld>
+    <p:bg>
+      <p:bgPr>
+        <a:solidFill>
+          <a:srgbClr val="292929"/>
+        </a:solidFill>
+        <a:effectLst/>
+      </p:bgPr>
+    </p:bg>
+    <p:spTree>
+      <p:nvGrpSpPr>
+        <p:cNvPr id="1" name=""/>
+        <p:cNvGrpSpPr/>
+        <p:nvPr/>
+      </p:nvGrpSpPr>
+      <p:grpSpPr>
+        <a:xfrm>
+          <a:off x="0" y="0"/>
+          <a:ext cx="0" cy="0"/>
+          <a:chOff x="0" y="0"/>
+          <a:chExt cx="0" cy="0"/>
+        </a:xfrm>
+      </p:grpSpPr>
+      <p:sp>
+        <p:nvSpPr>
+          <p:cNvPr id="5" name="TextBox 5"/>
+          <p:cNvSpPr txBox="1"/>
+          <p:nvPr/>
+        </p:nvSpPr>
+        <p:spPr>
+          <a:xfrm>
+            <a:off x="1028700" y="681243"/>
+            <a:ext cx="16230600" cy="1226820"/>
+          </a:xfrm>
+          <a:prstGeom prst="rect">
+            <a:avLst/>
+          </a:prstGeom>
+        </p:spPr>
+        <p:txBody>
+          <a:bodyPr lIns="0" tIns="0" rIns="0" bIns="0" rtlCol="0" anchor="t">
+            <a:spAutoFit/>
+          </a:bodyPr>
+          <a:lstStyle/>
+          <a:p>
+            <a:pPr algn="ctr">
+              <a:lnSpc>
+                <a:spcPts val="10080"/>
+              </a:lnSpc>
+            </a:pPr>
+            <a:r>
+              <a:rPr lang="en-US" sz="7200">
+                <a:solidFill>
+                  <a:srgbClr val="EDEDED"/>
+                </a:solidFill>
+                <a:latin typeface="Clear Sans Regular"/>
+              </a:rPr>
+              <a:t>Примененные технологии</a:t>
+            </a:r>
+          </a:p>
+        </p:txBody>
+      </p:sp>
+      <p:sp>
+        <p:nvSpPr>
+          <p:cNvPr id="12" name="Заголовок 11"/>
+          <p:cNvSpPr>
+            <a:spLocks noGrp="1"/>
+          </p:cNvSpPr>
+          <p:nvPr>
+            <p:ph type="title"/>
+          </p:nvPr>
+        </p:nvSpPr>
+        <p:spPr>
+          <a:xfrm>
+            <a:off x="895350" y="1917588"/>
+            <a:ext cx="16497300" cy="1316150"/>
+          </a:xfrm>
+        </p:spPr>
+        <p:txBody>
+          <a:bodyPr>
+            <a:normAutofit/>
+          </a:bodyPr>
+          <a:lstStyle/>
+          <a:p>
+            <a:pPr>
+              <a:tabLst>
+                <a:tab pos="5386388" algn="l"/>
+              </a:tabLst>
+            </a:pPr>
+            <a:r>
+              <a:rPr lang="ru-RU" sz="3600" dirty="0">
+                <a:solidFill>
+                  <a:schemeClr val="bg1"/>
+                </a:solidFill>
+              </a:rPr>
+              <a:t>П</a:t>
+            </a:r>
+            <a:r>
+              <a:rPr lang="ru-RU" sz="3600" dirty="0" smtClean="0">
+                <a:solidFill>
+                  <a:schemeClr val="bg1"/>
+                </a:solidFill>
+              </a:rPr>
+              <a:t>омимо </a:t>
+            </a:r>
+            <a:r>
+              <a:rPr lang="en-US" sz="3600" dirty="0" err="1">
+                <a:solidFill>
+                  <a:schemeClr val="bg1"/>
+                </a:solidFill>
+              </a:rPr>
+              <a:t>P</a:t>
+            </a:r>
+            <a:r>
+              <a:rPr lang="en-US" sz="3600" dirty="0" err="1" smtClean="0">
+                <a:solidFill>
+                  <a:schemeClr val="bg1"/>
+                </a:solidFill>
+              </a:rPr>
+              <a:t>ygame</a:t>
+            </a:r>
+            <a:r>
+              <a:rPr lang="en-US" sz="3600" dirty="0" smtClean="0">
+                <a:solidFill>
+                  <a:schemeClr val="bg1"/>
+                </a:solidFill>
+              </a:rPr>
+              <a:t>, SQLite </a:t>
+            </a:r>
+            <a:r>
+              <a:rPr lang="ru-RU" sz="3600" dirty="0" smtClean="0">
+                <a:solidFill>
+                  <a:schemeClr val="bg1"/>
+                </a:solidFill>
+              </a:rPr>
+              <a:t>и </a:t>
+            </a:r>
+            <a:r>
+              <a:rPr lang="en-US" sz="3600" dirty="0" smtClean="0">
+                <a:solidFill>
+                  <a:schemeClr val="bg1"/>
+                </a:solidFill>
+              </a:rPr>
+              <a:t>GitHub</a:t>
+            </a:r>
+            <a:r>
+              <a:rPr lang="ru-RU" sz="3600" dirty="0" smtClean="0">
+                <a:solidFill>
+                  <a:schemeClr val="bg1"/>
+                </a:solidFill>
+              </a:rPr>
+              <a:t>, мы также применили формат </a:t>
+            </a:r>
+            <a:r>
+              <a:rPr lang="en-US" sz="3600" dirty="0" smtClean="0">
+                <a:solidFill>
+                  <a:schemeClr val="bg1"/>
+                </a:solidFill>
+              </a:rPr>
+              <a:t>JSON.</a:t>
+            </a:r>
+            <a:br>
+              <a:rPr lang="en-US" sz="3600" dirty="0" smtClean="0">
+                <a:solidFill>
+                  <a:schemeClr val="bg1"/>
+                </a:solidFill>
+              </a:rPr>
+            </a:br>
+            <a:r>
+              <a:rPr lang="ru-RU" sz="3600" dirty="0" smtClean="0">
+                <a:solidFill>
+                  <a:schemeClr val="bg1"/>
+                </a:solidFill>
+              </a:rPr>
+              <a:t>Для украшения кнопок игры</a:t>
+            </a:r>
+            <a:endParaRPr lang="ru-RU" sz="3600" dirty="0">
+              <a:solidFill>
+                <a:schemeClr val="bg1"/>
+              </a:solidFill>
+            </a:endParaRPr>
+          </a:p>
+        </p:txBody>
+      </p:sp>
+      <p:pic>
+        <p:nvPicPr>
+          <p:cNvPr id="13" name="Рисунок 12"/>
+          <p:cNvPicPr>
+            <a:picLocks noChangeAspect="1"/>
+          </p:cNvPicPr>
+          <p:nvPr/>
+        </p:nvPicPr>
+        <p:blipFill>
+          <a:blip r:embed="rId2"/>
+          <a:stretch>
+            <a:fillRect/>
+          </a:stretch>
+        </p:blipFill>
+        <p:spPr>
+          <a:xfrm>
+            <a:off x="3438525" y="3543300"/>
+            <a:ext cx="11410950" cy="5724525"/>
+          </a:xfrm>
+          <a:prstGeom prst="rect">
+            <a:avLst/>
+          </a:prstGeom>
+        </p:spPr>
+      </p:pic>
+    </p:spTree>
+  </p:cSld>
+  <p:clrMapOvr>
+    <a:masterClrMapping/>
+  </p:clrMapOvr>
+  <p:timing>
+    <p:tnLst>
+      <p:par>
+        <p:cTn id="1" dur="indefinite" restart="never" nodeType="tmRoot"/>
+      </p:par>
+    </p:tnLst>
+  </p:timing>
+</p:sld>
+</file>
+
+<file path=ppt/slides/slide5.xml><?xml version="1.0" encoding="utf-8"?>
+<p:sld xmlns:a="http://schemas.openxmlformats.org/drawingml/2006/main" xmlns:r="http://schemas.openxmlformats.org/officeDocument/2006/relationships" xmlns:p="http://schemas.openxmlformats.org/presentationml/2006/main">
+  <p:cSld>
+    <p:bg>
+      <p:bgPr>
+        <a:solidFill>
+          <a:srgbClr val="292929"/>
+        </a:solidFill>
+        <a:effectLst/>
       </p:bgPr>
     </p:bg>
     <p:spTree>
@@ -4449,184 +5265,100 @@
       </p:grpSpPr>
       <p:pic>
         <p:nvPicPr>
-          <p:cNvPr name="Picture 2" id="2"/>
+          <p:cNvPr id="2" name="Picture 2"/>
           <p:cNvPicPr>
-            <a:picLocks noChangeAspect="true"/>
+            <a:picLocks noChangeAspect="1"/>
           </p:cNvPicPr>
           <p:nvPr/>
         </p:nvPicPr>
         <p:blipFill>
-          <a:blip r:embed="rId2">
-            <a:extLst>
-              <a:ext uri="{28A0092B-C50C-407E-A947-70E740481C1C}">
-                <a14:useLocalDpi xmlns:a14="http://schemas.microsoft.com/office/drawing/2010/main" val="0"/>
-              </a:ext>
-              <a:ext uri="{96DAC541-7B7A-43D3-8B79-37D633B846F1}">
-                <asvg:svgBlip xmlns:asvg="http://schemas.microsoft.com/office/drawing/2016/SVG/main" r:embed="rId3"/>
-              </a:ext>
-            </a:extLst>
-          </a:blip>
-          <a:srcRect l="0" t="0" r="0" b="0"/>
+          <a:blip r:embed="rId2"/>
+          <a:srcRect/>
           <a:stretch>
             <a:fillRect/>
           </a:stretch>
         </p:blipFill>
         <p:spPr>
-          <a:xfrm flipH="false" flipV="false" rot="0">
-            <a:off x="13037580" y="719116"/>
-            <a:ext cx="3176081" cy="3176081"/>
+          <a:xfrm>
+            <a:off x="7973510" y="2289067"/>
+            <a:ext cx="9285790" cy="5708866"/>
           </a:xfrm>
           <a:prstGeom prst="rect">
             <a:avLst/>
           </a:prstGeom>
         </p:spPr>
       </p:pic>
-      <p:pic>
-        <p:nvPicPr>
-          <p:cNvPr name="Picture 3" id="3"/>
-          <p:cNvPicPr>
-            <a:picLocks noChangeAspect="true"/>
-          </p:cNvPicPr>
+      <p:sp>
+        <p:nvSpPr>
+          <p:cNvPr id="3" name="TextBox 3"/>
+          <p:cNvSpPr txBox="1"/>
           <p:nvPr/>
-        </p:nvPicPr>
-        <p:blipFill>
-          <a:blip r:embed="rId4">
-            <a:extLst>
-              <a:ext uri="{28A0092B-C50C-407E-A947-70E740481C1C}">
-                <a14:useLocalDpi xmlns:a14="http://schemas.microsoft.com/office/drawing/2010/main" val="0"/>
-              </a:ext>
-              <a:ext uri="{96DAC541-7B7A-43D3-8B79-37D633B846F1}">
-                <asvg:svgBlip xmlns:asvg="http://schemas.microsoft.com/office/drawing/2016/SVG/main" r:embed="rId5"/>
-              </a:ext>
-            </a:extLst>
-          </a:blip>
-          <a:srcRect l="0" t="0" r="0" b="0"/>
-          <a:stretch>
-            <a:fillRect/>
-          </a:stretch>
-        </p:blipFill>
+        </p:nvSpPr>
         <p:spPr>
-          <a:xfrm flipH="false" flipV="false" rot="0">
-            <a:off x="14973964" y="2761997"/>
-            <a:ext cx="2479395" cy="2479395"/>
+          <a:xfrm>
+            <a:off x="1028700" y="3864610"/>
+            <a:ext cx="5614483" cy="2548255"/>
           </a:xfrm>
           <a:prstGeom prst="rect">
             <a:avLst/>
           </a:prstGeom>
         </p:spPr>
-      </p:pic>
-      <p:grpSp>
-        <p:nvGrpSpPr>
-          <p:cNvPr name="Group 4" id="4"/>
-          <p:cNvGrpSpPr>
-            <a:grpSpLocks noChangeAspect="true"/>
-          </p:cNvGrpSpPr>
+        <p:txBody>
+          <a:bodyPr lIns="0" tIns="0" rIns="0" bIns="0" rtlCol="0" anchor="t">
+            <a:spAutoFit/>
+          </a:bodyPr>
+          <a:lstStyle/>
+          <a:p>
+            <a:pPr>
+              <a:lnSpc>
+                <a:spcPts val="3380"/>
+              </a:lnSpc>
+            </a:pPr>
+            <a:r>
+              <a:rPr lang="en-US" sz="2600">
+                <a:solidFill>
+                  <a:srgbClr val="EDEDED"/>
+                </a:solidFill>
+                <a:latin typeface="Clear Sans Regular"/>
+              </a:rPr>
+              <a:t>Программа запускается через главный файл main.py, в котором в свою очередь вызывается функция основного игрового цикла.</a:t>
+            </a:r>
+          </a:p>
+          <a:p>
+            <a:pPr>
+              <a:lnSpc>
+                <a:spcPts val="3380"/>
+              </a:lnSpc>
+            </a:pPr>
+            <a:r>
+              <a:rPr lang="en-US" sz="2600">
+                <a:solidFill>
+                  <a:srgbClr val="EDEDED"/>
+                </a:solidFill>
+                <a:latin typeface="Clear Sans Regular"/>
+              </a:rPr>
+              <a:t>Для удобства код классифицирован по папкам.</a:t>
+            </a:r>
+          </a:p>
+        </p:txBody>
+      </p:sp>
+      <p:sp>
+        <p:nvSpPr>
+          <p:cNvPr id="4" name="TextBox 4"/>
+          <p:cNvSpPr txBox="1"/>
           <p:nvPr/>
-        </p:nvGrpSpPr>
-        <p:grpSpPr>
-          <a:xfrm rot="5400000">
-            <a:off x="11309269" y="2126803"/>
-            <a:ext cx="3554504" cy="3078200"/>
-            <a:chOff x="0" y="0"/>
-            <a:chExt cx="6350000" cy="5499100"/>
-          </a:xfrm>
-        </p:grpSpPr>
-        <p:sp>
-          <p:nvSpPr>
-            <p:cNvPr name="Freeform 5" id="5"/>
-            <p:cNvSpPr/>
-            <p:nvPr/>
-          </p:nvSpPr>
-          <p:spPr>
-            <a:xfrm>
-              <a:off x="0" y="0"/>
-              <a:ext cx="6350000" cy="5499100"/>
-            </a:xfrm>
-            <a:custGeom>
-              <a:avLst/>
-              <a:gdLst/>
-              <a:ahLst/>
-              <a:cxnLst/>
-              <a:rect r="r" b="b" t="t" l="l"/>
-              <a:pathLst>
-                <a:path h="5499100" w="6350000">
-                  <a:moveTo>
-                    <a:pt x="0" y="5499100"/>
-                  </a:moveTo>
-                  <a:lnTo>
-                    <a:pt x="3175000" y="0"/>
-                  </a:lnTo>
-                  <a:lnTo>
-                    <a:pt x="6350000" y="5499100"/>
-                  </a:lnTo>
-                  <a:lnTo>
-                    <a:pt x="0" y="5499100"/>
-                  </a:lnTo>
-                  <a:close/>
-                </a:path>
-              </a:pathLst>
-            </a:custGeom>
-            <a:solidFill>
-              <a:srgbClr val="125982"/>
-            </a:solidFill>
-          </p:spPr>
-        </p:sp>
-      </p:grpSp>
-      <p:sp>
-        <p:nvSpPr>
-          <p:cNvPr name="TextBox 6" id="6"/>
-          <p:cNvSpPr txBox="true"/>
-          <p:nvPr/>
         </p:nvSpPr>
         <p:spPr>
-          <a:xfrm rot="0">
-            <a:off x="1060913" y="6205980"/>
-            <a:ext cx="8083087" cy="414655"/>
+          <a:xfrm>
+            <a:off x="1028700" y="881268"/>
+            <a:ext cx="8358991" cy="1024890"/>
           </a:xfrm>
           <a:prstGeom prst="rect">
             <a:avLst/>
           </a:prstGeom>
         </p:spPr>
         <p:txBody>
-          <a:bodyPr anchor="t" rtlCol="false" tIns="0" lIns="0" bIns="0" rIns="0">
-            <a:spAutoFit/>
-          </a:bodyPr>
-          <a:lstStyle/>
-          <a:p>
-            <a:pPr>
-              <a:lnSpc>
-                <a:spcPts val="3379"/>
-              </a:lnSpc>
-            </a:pPr>
-            <a:r>
-              <a:rPr lang="en-US" sz="2599">
-                <a:solidFill>
-                  <a:srgbClr val="FFFFFF"/>
-                </a:solidFill>
-                <a:latin typeface="Clear Sans Regular"/>
-              </a:rPr>
-              <a:t>Действия разворачиваются под водой</a:t>
-            </a:r>
-          </a:p>
-        </p:txBody>
-      </p:sp>
-      <p:sp>
-        <p:nvSpPr>
-          <p:cNvPr name="TextBox 7" id="7"/>
-          <p:cNvSpPr txBox="true"/>
-          <p:nvPr/>
-        </p:nvSpPr>
-        <p:spPr>
-          <a:xfrm rot="0">
-            <a:off x="1028700" y="1095375"/>
-            <a:ext cx="9200862" cy="1024890"/>
-          </a:xfrm>
-          <a:prstGeom prst="rect">
-            <a:avLst/>
-          </a:prstGeom>
-        </p:spPr>
-        <p:txBody>
-          <a:bodyPr anchor="t" rtlCol="false" tIns="0" lIns="0" bIns="0" rIns="0">
+          <a:bodyPr lIns="0" tIns="0" rIns="0" bIns="0" rtlCol="0" anchor="t">
             <a:spAutoFit/>
           </a:bodyPr>
           <a:lstStyle/>
@@ -4643,7 +5375,7 @@
                 </a:solidFill>
                 <a:latin typeface="Clear Sans Regular"/>
               </a:rPr>
-              <a:t>Задумка игры</a:t>
+              <a:t>Програмный код</a:t>
             </a:r>
           </a:p>
         </p:txBody>
@@ -4653,17 +5385,25 @@
   <p:clrMapOvr>
     <a:masterClrMapping/>
   </p:clrMapOvr>
+  <p:timing>
+    <p:tnLst>
+      <p:par>
+        <p:cTn id="1" dur="indefinite" restart="never" nodeType="tmRoot"/>
+      </p:par>
+    </p:tnLst>
+  </p:timing>
 </p:sld>
 </file>
 
-<file path=ppt/slides/slide4.xml><?xml version="1.0" encoding="utf-8"?>
-<p:sld xmlns:p="http://schemas.openxmlformats.org/presentationml/2006/main" xmlns:a="http://schemas.openxmlformats.org/drawingml/2006/main" xmlns:r="http://schemas.openxmlformats.org/officeDocument/2006/relationships">
+<file path=ppt/slides/slide6.xml><?xml version="1.0" encoding="utf-8"?>
+<p:sld xmlns:a="http://schemas.openxmlformats.org/drawingml/2006/main" xmlns:r="http://schemas.openxmlformats.org/officeDocument/2006/relationships" xmlns:p="http://schemas.openxmlformats.org/presentationml/2006/main">
   <p:cSld>
     <p:bg>
       <p:bgPr>
         <a:solidFill>
           <a:srgbClr val="292929"/>
         </a:solidFill>
+        <a:effectLst/>
       </p:bgPr>
     </p:bg>
     <p:spTree>
@@ -4682,361 +5422,159 @@
       </p:grpSpPr>
       <p:pic>
         <p:nvPicPr>
-          <p:cNvPr name="Picture 2" id="2"/>
+          <p:cNvPr id="2" name="Picture 2"/>
           <p:cNvPicPr>
-            <a:picLocks noChangeAspect="true"/>
+            <a:picLocks noChangeAspect="1"/>
           </p:cNvPicPr>
           <p:nvPr/>
         </p:nvPicPr>
         <p:blipFill>
           <a:blip r:embed="rId2"/>
-          <a:srcRect l="0" t="0" r="0" b="1699"/>
+          <a:srcRect/>
           <a:stretch>
             <a:fillRect/>
           </a:stretch>
         </p:blipFill>
         <p:spPr>
-          <a:xfrm flipH="false" flipV="false" rot="0">
-            <a:off x="1028700" y="6577692"/>
-            <a:ext cx="4123340" cy="1605247"/>
+          <a:xfrm>
+            <a:off x="7315200" y="559194"/>
+            <a:ext cx="9595849" cy="5698247"/>
           </a:xfrm>
           <a:prstGeom prst="rect">
             <a:avLst/>
           </a:prstGeom>
         </p:spPr>
       </p:pic>
+      <p:sp>
+        <p:nvSpPr>
+          <p:cNvPr id="3" name="TextBox 3"/>
+          <p:cNvSpPr txBox="1"/>
+          <p:nvPr/>
+        </p:nvSpPr>
+        <p:spPr>
+          <a:xfrm>
+            <a:off x="1028700" y="2294376"/>
+            <a:ext cx="5295900" cy="2616101"/>
+          </a:xfrm>
+          <a:prstGeom prst="rect">
+            <a:avLst/>
+          </a:prstGeom>
+        </p:spPr>
+        <p:txBody>
+          <a:bodyPr wrap="square" lIns="0" tIns="0" rIns="0" bIns="0" rtlCol="0" anchor="t">
+            <a:spAutoFit/>
+          </a:bodyPr>
+          <a:lstStyle/>
+          <a:p>
+            <a:pPr>
+              <a:lnSpc>
+                <a:spcPts val="3380"/>
+              </a:lnSpc>
+            </a:pPr>
+            <a:r>
+              <a:rPr lang="ru-RU" sz="2600" dirty="0" smtClean="0">
+                <a:solidFill>
+                  <a:srgbClr val="EDEDED"/>
+                </a:solidFill>
+                <a:latin typeface="Clear Sans Regular"/>
+              </a:rPr>
+              <a:t>В базе данных реализовано 2 таблицы, одна из них предназначена для хранения прогресса игры, а вторая для хранения статистики, собранной в процессе игры.</a:t>
+            </a:r>
+            <a:endParaRPr lang="en-US" sz="2600" dirty="0">
+              <a:solidFill>
+                <a:srgbClr val="EDEDED"/>
+              </a:solidFill>
+              <a:latin typeface="Clear Sans Regular"/>
+            </a:endParaRPr>
+          </a:p>
+        </p:txBody>
+      </p:sp>
+      <p:sp>
+        <p:nvSpPr>
+          <p:cNvPr id="4" name="TextBox 4"/>
+          <p:cNvSpPr txBox="1"/>
+          <p:nvPr/>
+        </p:nvSpPr>
+        <p:spPr>
+          <a:xfrm>
+            <a:off x="1028700" y="881268"/>
+            <a:ext cx="8358991" cy="1024890"/>
+          </a:xfrm>
+          <a:prstGeom prst="rect">
+            <a:avLst/>
+          </a:prstGeom>
+        </p:spPr>
+        <p:txBody>
+          <a:bodyPr lIns="0" tIns="0" rIns="0" bIns="0" rtlCol="0" anchor="t">
+            <a:spAutoFit/>
+          </a:bodyPr>
+          <a:lstStyle/>
+          <a:p>
+            <a:pPr>
+              <a:lnSpc>
+                <a:spcPts val="7920"/>
+              </a:lnSpc>
+            </a:pPr>
+            <a:r>
+              <a:rPr lang="en-US" sz="7200">
+                <a:solidFill>
+                  <a:srgbClr val="EDEDED"/>
+                </a:solidFill>
+                <a:latin typeface="Clear Sans Regular"/>
+              </a:rPr>
+              <a:t>База Данных</a:t>
+            </a:r>
+          </a:p>
+        </p:txBody>
+      </p:sp>
       <p:pic>
         <p:nvPicPr>
-          <p:cNvPr name="Picture 3" id="3"/>
+          <p:cNvPr id="5" name="Рисунок 4"/>
           <p:cNvPicPr>
-            <a:picLocks noChangeAspect="true"/>
+            <a:picLocks noChangeAspect="1"/>
           </p:cNvPicPr>
           <p:nvPr/>
         </p:nvPicPr>
         <p:blipFill>
           <a:blip r:embed="rId3"/>
-          <a:srcRect l="0" t="0" r="0" b="0"/>
           <a:stretch>
             <a:fillRect/>
           </a:stretch>
         </p:blipFill>
         <p:spPr>
-          <a:xfrm flipH="false" flipV="false" rot="0">
-            <a:off x="8199052" y="6577692"/>
-            <a:ext cx="1605247" cy="1605247"/>
+          <a:xfrm>
+            <a:off x="7315200" y="4910477"/>
+            <a:ext cx="9595849" cy="4909358"/>
           </a:xfrm>
           <a:prstGeom prst="rect">
             <a:avLst/>
           </a:prstGeom>
         </p:spPr>
       </p:pic>
-      <p:pic>
-        <p:nvPicPr>
-          <p:cNvPr name="Picture 4" id="4"/>
-          <p:cNvPicPr>
-            <a:picLocks noChangeAspect="true"/>
-          </p:cNvPicPr>
-          <p:nvPr/>
-        </p:nvPicPr>
-        <p:blipFill>
-          <a:blip r:embed="rId4"/>
-          <a:srcRect l="0" t="0" r="0" b="0"/>
-          <a:stretch>
-            <a:fillRect/>
-          </a:stretch>
-        </p:blipFill>
-        <p:spPr>
-          <a:xfrm flipH="false" flipV="false" rot="0">
-            <a:off x="14950891" y="6577692"/>
-            <a:ext cx="1630329" cy="1605247"/>
-          </a:xfrm>
-          <a:prstGeom prst="rect">
-            <a:avLst/>
-          </a:prstGeom>
-        </p:spPr>
-      </p:pic>
-      <p:sp>
-        <p:nvSpPr>
-          <p:cNvPr name="TextBox 5" id="5"/>
-          <p:cNvSpPr txBox="true"/>
-          <p:nvPr/>
-        </p:nvSpPr>
-        <p:spPr>
-          <a:xfrm rot="0">
-            <a:off x="1028700" y="681243"/>
-            <a:ext cx="16230600" cy="1226820"/>
-          </a:xfrm>
-          <a:prstGeom prst="rect">
-            <a:avLst/>
-          </a:prstGeom>
-        </p:spPr>
-        <p:txBody>
-          <a:bodyPr anchor="t" rtlCol="false" tIns="0" lIns="0" bIns="0" rIns="0">
-            <a:spAutoFit/>
-          </a:bodyPr>
-          <a:lstStyle/>
-          <a:p>
-            <a:pPr algn="ctr">
-              <a:lnSpc>
-                <a:spcPts val="10080"/>
-              </a:lnSpc>
-            </a:pPr>
-            <a:r>
-              <a:rPr lang="en-US" sz="7200">
-                <a:solidFill>
-                  <a:srgbClr val="EDEDED"/>
-                </a:solidFill>
-                <a:latin typeface="Clear Sans Regular"/>
-              </a:rPr>
-              <a:t>Примененные технологии</a:t>
-            </a:r>
-          </a:p>
-        </p:txBody>
-      </p:sp>
-      <p:sp>
-        <p:nvSpPr>
-          <p:cNvPr name="TextBox 6" id="6"/>
-          <p:cNvSpPr txBox="true"/>
-          <p:nvPr/>
-        </p:nvSpPr>
-        <p:spPr>
-          <a:xfrm rot="0">
-            <a:off x="3090370" y="5257730"/>
-            <a:ext cx="2061670" cy="565150"/>
-          </a:xfrm>
-          <a:prstGeom prst="rect">
-            <a:avLst/>
-          </a:prstGeom>
-        </p:spPr>
-        <p:txBody>
-          <a:bodyPr anchor="t" rtlCol="false" tIns="0" lIns="0" bIns="0" rIns="0">
-            <a:spAutoFit/>
-          </a:bodyPr>
-          <a:lstStyle/>
-          <a:p>
-            <a:pPr>
-              <a:lnSpc>
-                <a:spcPts val="4550"/>
-              </a:lnSpc>
-            </a:pPr>
-            <a:r>
-              <a:rPr lang="en-US" sz="3500">
-                <a:solidFill>
-                  <a:srgbClr val="EDEDED"/>
-                </a:solidFill>
-                <a:latin typeface="Clear Sans Regular"/>
-              </a:rPr>
-              <a:t>PyGame</a:t>
-            </a:r>
-          </a:p>
-        </p:txBody>
-      </p:sp>
-      <p:sp>
-        <p:nvSpPr>
-          <p:cNvPr name="TextBox 7" id="7"/>
-          <p:cNvSpPr txBox="true"/>
-          <p:nvPr/>
-        </p:nvSpPr>
-        <p:spPr>
-          <a:xfrm rot="0">
-            <a:off x="1619496" y="5105400"/>
-            <a:ext cx="1289163" cy="834721"/>
-          </a:xfrm>
-          <a:prstGeom prst="rect">
-            <a:avLst/>
-          </a:prstGeom>
-        </p:spPr>
-        <p:txBody>
-          <a:bodyPr anchor="t" rtlCol="false" tIns="0" lIns="0" bIns="0" rIns="0">
-            <a:spAutoFit/>
-          </a:bodyPr>
-          <a:lstStyle/>
-          <a:p>
-            <a:pPr>
-              <a:lnSpc>
-                <a:spcPts val="6795"/>
-              </a:lnSpc>
-            </a:pPr>
-            <a:r>
-              <a:rPr lang="en-US" sz="5227">
-                <a:solidFill>
-                  <a:srgbClr val="EDEDED"/>
-                </a:solidFill>
-                <a:latin typeface="Clear Sans Regular"/>
-              </a:rPr>
-              <a:t>01</a:t>
-            </a:r>
-          </a:p>
-        </p:txBody>
-      </p:sp>
-      <p:sp>
-        <p:nvSpPr>
-          <p:cNvPr name="TextBox 8" id="8"/>
-          <p:cNvSpPr txBox="true"/>
-          <p:nvPr/>
-        </p:nvSpPr>
-        <p:spPr>
-          <a:xfrm rot="0">
-            <a:off x="9001676" y="5240185"/>
-            <a:ext cx="1755523" cy="565150"/>
-          </a:xfrm>
-          <a:prstGeom prst="rect">
-            <a:avLst/>
-          </a:prstGeom>
-        </p:spPr>
-        <p:txBody>
-          <a:bodyPr anchor="t" rtlCol="false" tIns="0" lIns="0" bIns="0" rIns="0">
-            <a:spAutoFit/>
-          </a:bodyPr>
-          <a:lstStyle/>
-          <a:p>
-            <a:pPr>
-              <a:lnSpc>
-                <a:spcPts val="4550"/>
-              </a:lnSpc>
-            </a:pPr>
-            <a:r>
-              <a:rPr lang="en-US" sz="3500">
-                <a:solidFill>
-                  <a:srgbClr val="EDEDED"/>
-                </a:solidFill>
-                <a:latin typeface="Clear Sans Regular"/>
-              </a:rPr>
-              <a:t>Sqlite3</a:t>
-            </a:r>
-          </a:p>
-        </p:txBody>
-      </p:sp>
-      <p:sp>
-        <p:nvSpPr>
-          <p:cNvPr name="TextBox 9" id="9"/>
-          <p:cNvSpPr txBox="true"/>
-          <p:nvPr/>
-        </p:nvSpPr>
-        <p:spPr>
-          <a:xfrm rot="0">
-            <a:off x="7530801" y="5105400"/>
-            <a:ext cx="1289163" cy="834721"/>
-          </a:xfrm>
-          <a:prstGeom prst="rect">
-            <a:avLst/>
-          </a:prstGeom>
-        </p:spPr>
-        <p:txBody>
-          <a:bodyPr anchor="t" rtlCol="false" tIns="0" lIns="0" bIns="0" rIns="0">
-            <a:spAutoFit/>
-          </a:bodyPr>
-          <a:lstStyle/>
-          <a:p>
-            <a:pPr>
-              <a:lnSpc>
-                <a:spcPts val="6795"/>
-              </a:lnSpc>
-            </a:pPr>
-            <a:r>
-              <a:rPr lang="en-US" sz="5227">
-                <a:solidFill>
-                  <a:srgbClr val="EDEDED"/>
-                </a:solidFill>
-                <a:latin typeface="Clear Sans Regular"/>
-              </a:rPr>
-              <a:t>01</a:t>
-            </a:r>
-          </a:p>
-        </p:txBody>
-      </p:sp>
-      <p:sp>
-        <p:nvSpPr>
-          <p:cNvPr name="TextBox 10" id="10"/>
-          <p:cNvSpPr txBox="true"/>
-          <p:nvPr/>
-        </p:nvSpPr>
-        <p:spPr>
-          <a:xfrm rot="0">
-            <a:off x="15766055" y="5240185"/>
-            <a:ext cx="1493245" cy="565150"/>
-          </a:xfrm>
-          <a:prstGeom prst="rect">
-            <a:avLst/>
-          </a:prstGeom>
-        </p:spPr>
-        <p:txBody>
-          <a:bodyPr anchor="t" rtlCol="false" tIns="0" lIns="0" bIns="0" rIns="0">
-            <a:spAutoFit/>
-          </a:bodyPr>
-          <a:lstStyle/>
-          <a:p>
-            <a:pPr>
-              <a:lnSpc>
-                <a:spcPts val="4550"/>
-              </a:lnSpc>
-            </a:pPr>
-            <a:r>
-              <a:rPr lang="en-US" sz="3500">
-                <a:solidFill>
-                  <a:srgbClr val="EDEDED"/>
-                </a:solidFill>
-                <a:latin typeface="Clear Sans Regular"/>
-              </a:rPr>
-              <a:t>GitHub</a:t>
-            </a:r>
-          </a:p>
-        </p:txBody>
-      </p:sp>
-      <p:sp>
-        <p:nvSpPr>
-          <p:cNvPr name="TextBox 11" id="11"/>
-          <p:cNvSpPr txBox="true"/>
-          <p:nvPr/>
-        </p:nvSpPr>
-        <p:spPr>
-          <a:xfrm rot="0">
-            <a:off x="14295181" y="5105400"/>
-            <a:ext cx="1289163" cy="834721"/>
-          </a:xfrm>
-          <a:prstGeom prst="rect">
-            <a:avLst/>
-          </a:prstGeom>
-        </p:spPr>
-        <p:txBody>
-          <a:bodyPr anchor="t" rtlCol="false" tIns="0" lIns="0" bIns="0" rIns="0">
-            <a:spAutoFit/>
-          </a:bodyPr>
-          <a:lstStyle/>
-          <a:p>
-            <a:pPr>
-              <a:lnSpc>
-                <a:spcPts val="6795"/>
-              </a:lnSpc>
-            </a:pPr>
-            <a:r>
-              <a:rPr lang="en-US" sz="5227">
-                <a:solidFill>
-                  <a:srgbClr val="EDEDED"/>
-                </a:solidFill>
-                <a:latin typeface="Clear Sans Regular"/>
-              </a:rPr>
-              <a:t>01</a:t>
-            </a:r>
-          </a:p>
-        </p:txBody>
-      </p:sp>
     </p:spTree>
   </p:cSld>
   <p:clrMapOvr>
     <a:masterClrMapping/>
   </p:clrMapOvr>
+  <p:timing>
+    <p:tnLst>
+      <p:par>
+        <p:cTn id="1" dur="indefinite" restart="never" nodeType="tmRoot"/>
+      </p:par>
+    </p:tnLst>
+  </p:timing>
 </p:sld>
 </file>
 
-<file path=ppt/slides/slide5.xml><?xml version="1.0" encoding="utf-8"?>
-<p:sld xmlns:p="http://schemas.openxmlformats.org/presentationml/2006/main" xmlns:a="http://schemas.openxmlformats.org/drawingml/2006/main" xmlns:r="http://schemas.openxmlformats.org/officeDocument/2006/relationships">
+<file path=ppt/slides/slide7.xml><?xml version="1.0" encoding="utf-8"?>
+<p:sld xmlns:a="http://schemas.openxmlformats.org/drawingml/2006/main" xmlns:r="http://schemas.openxmlformats.org/officeDocument/2006/relationships" xmlns:p="http://schemas.openxmlformats.org/presentationml/2006/main">
   <p:cSld>
     <p:bg>
       <p:bgPr>
         <a:solidFill>
           <a:srgbClr val="292929"/>
         </a:solidFill>
+        <a:effectLst/>
       </p:bgPr>
     </p:bg>
     <p:spTree>
@@ -5055,23 +5593,23 @@
       </p:grpSpPr>
       <p:pic>
         <p:nvPicPr>
-          <p:cNvPr name="Picture 2" id="2"/>
+          <p:cNvPr id="2" name="Picture 2"/>
           <p:cNvPicPr>
-            <a:picLocks noChangeAspect="true"/>
+            <a:picLocks noChangeAspect="1"/>
           </p:cNvPicPr>
           <p:nvPr/>
         </p:nvPicPr>
         <p:blipFill>
           <a:blip r:embed="rId2"/>
-          <a:srcRect l="0" t="0" r="0" b="0"/>
+          <a:srcRect/>
           <a:stretch>
             <a:fillRect/>
           </a:stretch>
         </p:blipFill>
         <p:spPr>
-          <a:xfrm flipH="false" flipV="false" rot="0">
-            <a:off x="7973510" y="2289067"/>
-            <a:ext cx="9285790" cy="5708866"/>
+          <a:xfrm>
+            <a:off x="7254653" y="2331066"/>
+            <a:ext cx="10004647" cy="5624868"/>
           </a:xfrm>
           <a:prstGeom prst="rect">
             <a:avLst/>
@@ -5080,21 +5618,101 @@
       </p:pic>
       <p:sp>
         <p:nvSpPr>
-          <p:cNvPr name="TextBox 3" id="3"/>
-          <p:cNvSpPr txBox="true"/>
+          <p:cNvPr id="3" name="TextBox 3"/>
+          <p:cNvSpPr txBox="1"/>
           <p:nvPr/>
         </p:nvSpPr>
         <p:spPr>
-          <a:xfrm rot="0">
-            <a:off x="1028700" y="3864610"/>
-            <a:ext cx="5614483" cy="2548255"/>
+          <a:xfrm>
+            <a:off x="1041978" y="1095375"/>
+            <a:ext cx="9816094" cy="1024890"/>
           </a:xfrm>
           <a:prstGeom prst="rect">
             <a:avLst/>
           </a:prstGeom>
         </p:spPr>
         <p:txBody>
-          <a:bodyPr anchor="t" rtlCol="false" tIns="0" lIns="0" bIns="0" rIns="0">
+          <a:bodyPr lIns="0" tIns="0" rIns="0" bIns="0" rtlCol="0" anchor="t">
+            <a:spAutoFit/>
+          </a:bodyPr>
+          <a:lstStyle/>
+          <a:p>
+            <a:pPr>
+              <a:lnSpc>
+                <a:spcPts val="7920"/>
+              </a:lnSpc>
+            </a:pPr>
+            <a:r>
+              <a:rPr lang="en-US" sz="7200" dirty="0" err="1">
+                <a:solidFill>
+                  <a:srgbClr val="EDEDED"/>
+                </a:solidFill>
+                <a:latin typeface="Clear Sans Regular"/>
+              </a:rPr>
+              <a:t>Начальный</a:t>
+            </a:r>
+            <a:r>
+              <a:rPr lang="en-US" sz="7200" dirty="0">
+                <a:solidFill>
+                  <a:srgbClr val="EDEDED"/>
+                </a:solidFill>
+                <a:latin typeface="Clear Sans Regular"/>
+              </a:rPr>
+              <a:t> </a:t>
+            </a:r>
+            <a:r>
+              <a:rPr lang="en-US" sz="7200" dirty="0" err="1">
+                <a:solidFill>
+                  <a:srgbClr val="EDEDED"/>
+                </a:solidFill>
+                <a:latin typeface="Clear Sans Regular"/>
+              </a:rPr>
+              <a:t>экран</a:t>
+            </a:r>
+            <a:r>
+              <a:rPr lang="en-US" sz="7200" dirty="0">
+                <a:solidFill>
+                  <a:srgbClr val="EDEDED"/>
+                </a:solidFill>
+                <a:latin typeface="Clear Sans Regular"/>
+              </a:rPr>
+              <a:t> </a:t>
+            </a:r>
+            <a:r>
+              <a:rPr lang="en-US" sz="7200" dirty="0" err="1">
+                <a:solidFill>
+                  <a:srgbClr val="EDEDED"/>
+                </a:solidFill>
+                <a:latin typeface="Clear Sans Regular"/>
+              </a:rPr>
+              <a:t>игры</a:t>
+            </a:r>
+            <a:endParaRPr lang="en-US" sz="7200" dirty="0">
+              <a:solidFill>
+                <a:srgbClr val="EDEDED"/>
+              </a:solidFill>
+              <a:latin typeface="Clear Sans Regular"/>
+            </a:endParaRPr>
+          </a:p>
+        </p:txBody>
+      </p:sp>
+      <p:sp>
+        <p:nvSpPr>
+          <p:cNvPr id="4" name="TextBox 4"/>
+          <p:cNvSpPr txBox="1"/>
+          <p:nvPr/>
+        </p:nvSpPr>
+        <p:spPr>
+          <a:xfrm>
+            <a:off x="611470" y="4685791"/>
+            <a:ext cx="5614483" cy="844334"/>
+          </a:xfrm>
+          <a:prstGeom prst="rect">
+            <a:avLst/>
+          </a:prstGeom>
+        </p:spPr>
+        <p:txBody>
+          <a:bodyPr lIns="0" tIns="0" rIns="0" bIns="0" rtlCol="0" anchor="t">
             <a:spAutoFit/>
           </a:bodyPr>
           <a:lstStyle/>
@@ -5105,87 +5723,164 @@
               </a:lnSpc>
             </a:pPr>
             <a:r>
-              <a:rPr lang="en-US" sz="2600">
+              <a:rPr lang="en-US" sz="2600" dirty="0" err="1">
                 <a:solidFill>
                   <a:srgbClr val="EDEDED"/>
                 </a:solidFill>
                 <a:latin typeface="Clear Sans Regular"/>
               </a:rPr>
-              <a:t>Программа запускается через главный файл main.py, в котором в свою очередь вызывается функция основного игрового цикла.</a:t>
-            </a:r>
-          </a:p>
-          <a:p>
-            <a:pPr>
-              <a:lnSpc>
-                <a:spcPts val="3380"/>
-              </a:lnSpc>
-            </a:pPr>
-            <a:r>
-              <a:rPr lang="en-US" sz="2600">
+              <a:t>На</a:t>
+            </a:r>
+            <a:r>
+              <a:rPr lang="en-US" sz="2600" dirty="0">
                 <a:solidFill>
                   <a:srgbClr val="EDEDED"/>
                 </a:solidFill>
                 <a:latin typeface="Clear Sans Regular"/>
               </a:rPr>
-              <a:t>Для удобства код классифицирован по папкам.</a:t>
-            </a:r>
-          </a:p>
-        </p:txBody>
-      </p:sp>
-      <p:sp>
-        <p:nvSpPr>
-          <p:cNvPr name="TextBox 4" id="4"/>
-          <p:cNvSpPr txBox="true"/>
+              <a:t> </a:t>
+            </a:r>
+            <a:r>
+              <a:rPr lang="en-US" sz="2600" dirty="0" err="1">
+                <a:solidFill>
+                  <a:srgbClr val="EDEDED"/>
+                </a:solidFill>
+                <a:latin typeface="Clear Sans Regular"/>
+              </a:rPr>
+              <a:t>начальном</a:t>
+            </a:r>
+            <a:r>
+              <a:rPr lang="en-US" sz="2600" dirty="0">
+                <a:solidFill>
+                  <a:srgbClr val="EDEDED"/>
+                </a:solidFill>
+                <a:latin typeface="Clear Sans Regular"/>
+              </a:rPr>
+              <a:t> </a:t>
+            </a:r>
+            <a:r>
+              <a:rPr lang="en-US" sz="2600" dirty="0" err="1">
+                <a:solidFill>
+                  <a:srgbClr val="EDEDED"/>
+                </a:solidFill>
+                <a:latin typeface="Clear Sans Regular"/>
+              </a:rPr>
+              <a:t>экране</a:t>
+            </a:r>
+            <a:r>
+              <a:rPr lang="en-US" sz="2600" dirty="0">
+                <a:solidFill>
+                  <a:srgbClr val="EDEDED"/>
+                </a:solidFill>
+                <a:latin typeface="Clear Sans Regular"/>
+              </a:rPr>
+              <a:t> </a:t>
+            </a:r>
+            <a:r>
+              <a:rPr lang="en-US" sz="2600" dirty="0" err="1">
+                <a:solidFill>
+                  <a:srgbClr val="EDEDED"/>
+                </a:solidFill>
+                <a:latin typeface="Clear Sans Regular"/>
+              </a:rPr>
+              <a:t>пользователя</a:t>
+            </a:r>
+            <a:r>
+              <a:rPr lang="en-US" sz="2600" dirty="0">
+                <a:solidFill>
+                  <a:srgbClr val="EDEDED"/>
+                </a:solidFill>
+                <a:latin typeface="Clear Sans Regular"/>
+              </a:rPr>
+              <a:t> </a:t>
+            </a:r>
+            <a:r>
+              <a:rPr lang="en-US" sz="2600" dirty="0" err="1">
+                <a:solidFill>
+                  <a:srgbClr val="EDEDED"/>
+                </a:solidFill>
+                <a:latin typeface="Clear Sans Regular"/>
+              </a:rPr>
+              <a:t>встречают</a:t>
+            </a:r>
+            <a:r>
+              <a:rPr lang="en-US" sz="2600" dirty="0">
+                <a:solidFill>
+                  <a:srgbClr val="EDEDED"/>
+                </a:solidFill>
+                <a:latin typeface="Clear Sans Regular"/>
+              </a:rPr>
+              <a:t> 4 </a:t>
+            </a:r>
+            <a:r>
+              <a:rPr lang="en-US" sz="2600" dirty="0" err="1">
+                <a:solidFill>
+                  <a:srgbClr val="EDEDED"/>
+                </a:solidFill>
+                <a:latin typeface="Clear Sans Regular"/>
+              </a:rPr>
+              <a:t>кнопки</a:t>
+            </a:r>
+            <a:r>
+              <a:rPr lang="en-US" sz="2600" dirty="0" smtClean="0">
+                <a:solidFill>
+                  <a:srgbClr val="EDEDED"/>
+                </a:solidFill>
+                <a:latin typeface="Clear Sans Regular"/>
+              </a:rPr>
+              <a:t>.</a:t>
+            </a:r>
+          </a:p>
+        </p:txBody>
+      </p:sp>
+      <p:pic>
+        <p:nvPicPr>
+          <p:cNvPr id="5" name="Рисунок 4"/>
+          <p:cNvPicPr>
+            <a:picLocks noChangeAspect="1"/>
+          </p:cNvPicPr>
           <p:nvPr/>
-        </p:nvSpPr>
+        </p:nvPicPr>
+        <p:blipFill>
+          <a:blip r:embed="rId3"/>
+          <a:stretch>
+            <a:fillRect/>
+          </a:stretch>
+        </p:blipFill>
         <p:spPr>
-          <a:xfrm rot="0">
-            <a:off x="1028700" y="881268"/>
-            <a:ext cx="8358991" cy="1024890"/>
+          <a:xfrm>
+            <a:off x="6551501" y="2231409"/>
+            <a:ext cx="11410950" cy="5724525"/>
           </a:xfrm>
           <a:prstGeom prst="rect">
             <a:avLst/>
           </a:prstGeom>
         </p:spPr>
-        <p:txBody>
-          <a:bodyPr anchor="t" rtlCol="false" tIns="0" lIns="0" bIns="0" rIns="0">
-            <a:spAutoFit/>
-          </a:bodyPr>
-          <a:lstStyle/>
-          <a:p>
-            <a:pPr>
-              <a:lnSpc>
-                <a:spcPts val="7920"/>
-              </a:lnSpc>
-            </a:pPr>
-            <a:r>
-              <a:rPr lang="en-US" sz="7200">
-                <a:solidFill>
-                  <a:srgbClr val="EDEDED"/>
-                </a:solidFill>
-                <a:latin typeface="Clear Sans Regular"/>
-              </a:rPr>
-              <a:t>Програмный код</a:t>
-            </a:r>
-          </a:p>
-        </p:txBody>
-      </p:sp>
+      </p:pic>
     </p:spTree>
   </p:cSld>
   <p:clrMapOvr>
     <a:masterClrMapping/>
   </p:clrMapOvr>
+  <p:timing>
+    <p:tnLst>
+      <p:par>
+        <p:cTn id="1" dur="indefinite" restart="never" nodeType="tmRoot"/>
+      </p:par>
+    </p:tnLst>
+  </p:timing>
 </p:sld>
 </file>
 
-<file path=ppt/slides/slide6.xml><?xml version="1.0" encoding="utf-8"?>
-<p:sld xmlns:p="http://schemas.openxmlformats.org/presentationml/2006/main" xmlns:a="http://schemas.openxmlformats.org/drawingml/2006/main" xmlns:r="http://schemas.openxmlformats.org/officeDocument/2006/relationships">
+<file path=ppt/slides/slide8.xml><?xml version="1.0" encoding="utf-8"?>
+<p:sld xmlns:a="http://schemas.openxmlformats.org/drawingml/2006/main" xmlns:r="http://schemas.openxmlformats.org/officeDocument/2006/relationships" xmlns:p="http://schemas.openxmlformats.org/presentationml/2006/main">
   <p:cSld>
     <p:bg>
       <p:bgPr>
         <a:solidFill>
           <a:srgbClr val="292929"/>
         </a:solidFill>
+        <a:effectLst/>
       </p:bgPr>
     </p:bg>
     <p:spTree>
@@ -5204,23 +5899,22 @@
       </p:grpSpPr>
       <p:pic>
         <p:nvPicPr>
-          <p:cNvPr name="Picture 2" id="2"/>
+          <p:cNvPr id="7" name="Рисунок 6"/>
           <p:cNvPicPr>
-            <a:picLocks noChangeAspect="true"/>
+            <a:picLocks noChangeAspect="1"/>
           </p:cNvPicPr>
           <p:nvPr/>
         </p:nvPicPr>
         <p:blipFill>
           <a:blip r:embed="rId2"/>
-          <a:srcRect l="0" t="0" r="0" b="0"/>
           <a:stretch>
             <a:fillRect/>
           </a:stretch>
         </p:blipFill>
         <p:spPr>
-          <a:xfrm flipH="false" flipV="false" rot="0">
-            <a:off x="7663451" y="2294376"/>
-            <a:ext cx="9595849" cy="5698247"/>
+          <a:xfrm>
+            <a:off x="9906000" y="2247900"/>
+            <a:ext cx="5743575" cy="5305425"/>
           </a:xfrm>
           <a:prstGeom prst="rect">
             <a:avLst/>
@@ -5229,96 +5923,109 @@
       </p:pic>
       <p:sp>
         <p:nvSpPr>
-          <p:cNvPr name="TextBox 3" id="3"/>
-          <p:cNvSpPr txBox="true"/>
-          <p:nvPr/>
+          <p:cNvPr id="8" name="Заголовок 7"/>
+          <p:cNvSpPr>
+            <a:spLocks noGrp="1"/>
+          </p:cNvSpPr>
+          <p:nvPr>
+            <p:ph type="ctrTitle"/>
+          </p:nvPr>
         </p:nvSpPr>
         <p:spPr>
-          <a:xfrm rot="0">
-            <a:off x="1028700" y="3650298"/>
-            <a:ext cx="5614483" cy="2976880"/>
-          </a:xfrm>
-          <a:prstGeom prst="rect">
-            <a:avLst/>
-          </a:prstGeom>
+          <a:xfrm>
+            <a:off x="914400" y="4165599"/>
+            <a:ext cx="7772400" cy="1470025"/>
+          </a:xfrm>
         </p:spPr>
         <p:txBody>
-          <a:bodyPr anchor="t" rtlCol="false" tIns="0" lIns="0" bIns="0" rIns="0">
-            <a:spAutoFit/>
+          <a:bodyPr>
+            <a:normAutofit fontScale="90000"/>
           </a:bodyPr>
           <a:lstStyle/>
           <a:p>
-            <a:pPr>
-              <a:lnSpc>
-                <a:spcPts val="3380"/>
-              </a:lnSpc>
-            </a:pPr>
-            <a:r>
-              <a:rPr lang="en-US" sz="2600">
-                <a:solidFill>
-                  <a:srgbClr val="EDEDED"/>
-                </a:solidFill>
-                <a:latin typeface="Clear Sans Regular"/>
-              </a:rPr>
-              <a:t>В базе данных реализована 1 таблица. В нее записываются данные об игроке(координаты, запас здоровья, уровень кислорода) и координаты статичных объектов(разрушенных кораблей и реактора).</a:t>
-            </a:r>
-          </a:p>
-        </p:txBody>
-      </p:sp>
-      <p:sp>
-        <p:nvSpPr>
-          <p:cNvPr name="TextBox 4" id="4"/>
-          <p:cNvSpPr txBox="true"/>
-          <p:nvPr/>
+            <a:r>
+              <a:rPr lang="ru-RU" dirty="0" smtClean="0">
+                <a:solidFill>
+                  <a:schemeClr val="bg1"/>
+                </a:solidFill>
+              </a:rPr>
+              <a:t>В настройках вы можете изменить громкость музыки и громкость эффектов</a:t>
+            </a:r>
+            <a:endParaRPr lang="ru-RU" dirty="0">
+              <a:solidFill>
+                <a:schemeClr val="bg1"/>
+              </a:solidFill>
+            </a:endParaRPr>
+          </a:p>
+        </p:txBody>
+      </p:sp>
+      <p:sp>
+        <p:nvSpPr>
+          <p:cNvPr id="9" name="Подзаголовок 8"/>
+          <p:cNvSpPr>
+            <a:spLocks noGrp="1"/>
+          </p:cNvSpPr>
+          <p:nvPr>
+            <p:ph type="subTitle" idx="1"/>
+          </p:nvPr>
         </p:nvSpPr>
         <p:spPr>
-          <a:xfrm rot="0">
-            <a:off x="1028700" y="881268"/>
-            <a:ext cx="8358991" cy="1024890"/>
-          </a:xfrm>
-          <a:prstGeom prst="rect">
-            <a:avLst/>
-          </a:prstGeom>
+          <a:xfrm>
+            <a:off x="1676400" y="1095375"/>
+            <a:ext cx="6248400" cy="1143000"/>
+          </a:xfrm>
         </p:spPr>
         <p:txBody>
-          <a:bodyPr anchor="t" rtlCol="false" tIns="0" lIns="0" bIns="0" rIns="0">
-            <a:spAutoFit/>
+          <a:bodyPr>
+            <a:noAutofit/>
           </a:bodyPr>
           <a:lstStyle/>
           <a:p>
-            <a:pPr>
-              <a:lnSpc>
-                <a:spcPts val="7920"/>
-              </a:lnSpc>
-            </a:pPr>
-            <a:r>
-              <a:rPr lang="en-US" sz="7200">
-                <a:solidFill>
-                  <a:srgbClr val="EDEDED"/>
-                </a:solidFill>
-                <a:latin typeface="Clear Sans Regular"/>
-              </a:rPr>
-              <a:t>База Данных</a:t>
-            </a:r>
+            <a:r>
+              <a:rPr lang="ru-RU" sz="7200" dirty="0" smtClean="0">
+                <a:solidFill>
+                  <a:schemeClr val="bg1"/>
+                </a:solidFill>
+              </a:rPr>
+              <a:t>НАСТРОЙКИ</a:t>
+            </a:r>
+            <a:endParaRPr lang="ru-RU" sz="7200" dirty="0">
+              <a:solidFill>
+                <a:schemeClr val="bg1"/>
+              </a:solidFill>
+            </a:endParaRPr>
           </a:p>
         </p:txBody>
       </p:sp>
     </p:spTree>
+    <p:extLst>
+      <p:ext uri="{BB962C8B-B14F-4D97-AF65-F5344CB8AC3E}">
+        <p14:creationId xmlns:p14="http://schemas.microsoft.com/office/powerpoint/2010/main" val="1507506467"/>
+      </p:ext>
+    </p:extLst>
   </p:cSld>
   <p:clrMapOvr>
     <a:masterClrMapping/>
   </p:clrMapOvr>
+  <p:timing>
+    <p:tnLst>
+      <p:par>
+        <p:cTn id="1" dur="indefinite" restart="never" nodeType="tmRoot"/>
+      </p:par>
+    </p:tnLst>
+  </p:timing>
 </p:sld>
 </file>
 
-<file path=ppt/slides/slide7.xml><?xml version="1.0" encoding="utf-8"?>
-<p:sld xmlns:p="http://schemas.openxmlformats.org/presentationml/2006/main" xmlns:a="http://schemas.openxmlformats.org/drawingml/2006/main" xmlns:r="http://schemas.openxmlformats.org/officeDocument/2006/relationships">
+<file path=ppt/slides/slide9.xml><?xml version="1.0" encoding="utf-8"?>
+<p:sld xmlns:a="http://schemas.openxmlformats.org/drawingml/2006/main" xmlns:r="http://schemas.openxmlformats.org/officeDocument/2006/relationships" xmlns:p="http://schemas.openxmlformats.org/presentationml/2006/main">
   <p:cSld>
     <p:bg>
       <p:bgPr>
         <a:solidFill>
           <a:srgbClr val="292929"/>
         </a:solidFill>
+        <a:effectLst/>
       </p:bgPr>
     </p:bg>
     <p:spTree>
@@ -5337,369 +6044,23 @@
       </p:grpSpPr>
       <p:pic>
         <p:nvPicPr>
-          <p:cNvPr name="Picture 2" id="2"/>
+          <p:cNvPr id="10" name="Picture 10"/>
           <p:cNvPicPr>
-            <a:picLocks noChangeAspect="true"/>
+            <a:picLocks noChangeAspect="1"/>
           </p:cNvPicPr>
           <p:nvPr/>
         </p:nvPicPr>
         <p:blipFill>
           <a:blip r:embed="rId2"/>
-          <a:srcRect l="0" t="0" r="0" b="0"/>
+          <a:srcRect/>
           <a:stretch>
             <a:fillRect/>
           </a:stretch>
         </p:blipFill>
         <p:spPr>
-          <a:xfrm flipH="false" flipV="false" rot="0">
-            <a:off x="7254653" y="2331066"/>
-            <a:ext cx="10004647" cy="5624868"/>
-          </a:xfrm>
-          <a:prstGeom prst="rect">
-            <a:avLst/>
-          </a:prstGeom>
-        </p:spPr>
-      </p:pic>
-      <p:sp>
-        <p:nvSpPr>
-          <p:cNvPr name="TextBox 3" id="3"/>
-          <p:cNvSpPr txBox="true"/>
-          <p:nvPr/>
-        </p:nvSpPr>
-        <p:spPr>
-          <a:xfrm rot="0">
-            <a:off x="1041978" y="1095375"/>
-            <a:ext cx="9816094" cy="1024890"/>
-          </a:xfrm>
-          <a:prstGeom prst="rect">
-            <a:avLst/>
-          </a:prstGeom>
-        </p:spPr>
-        <p:txBody>
-          <a:bodyPr anchor="t" rtlCol="false" tIns="0" lIns="0" bIns="0" rIns="0">
-            <a:spAutoFit/>
-          </a:bodyPr>
-          <a:lstStyle/>
-          <a:p>
-            <a:pPr>
-              <a:lnSpc>
-                <a:spcPts val="7920"/>
-              </a:lnSpc>
-            </a:pPr>
-            <a:r>
-              <a:rPr lang="en-US" sz="7200">
-                <a:solidFill>
-                  <a:srgbClr val="EDEDED"/>
-                </a:solidFill>
-                <a:latin typeface="Clear Sans Regular"/>
-              </a:rPr>
-              <a:t>Начальный экран игры</a:t>
-            </a:r>
-          </a:p>
-        </p:txBody>
-      </p:sp>
-      <p:sp>
-        <p:nvSpPr>
-          <p:cNvPr name="TextBox 4" id="4"/>
-          <p:cNvSpPr txBox="true"/>
-          <p:nvPr/>
-        </p:nvSpPr>
-        <p:spPr>
-          <a:xfrm rot="0">
-            <a:off x="1028700" y="4721860"/>
-            <a:ext cx="5614483" cy="833755"/>
-          </a:xfrm>
-          <a:prstGeom prst="rect">
-            <a:avLst/>
-          </a:prstGeom>
-        </p:spPr>
-        <p:txBody>
-          <a:bodyPr anchor="t" rtlCol="false" tIns="0" lIns="0" bIns="0" rIns="0">
-            <a:spAutoFit/>
-          </a:bodyPr>
-          <a:lstStyle/>
-          <a:p>
-            <a:pPr>
-              <a:lnSpc>
-                <a:spcPts val="3380"/>
-              </a:lnSpc>
-            </a:pPr>
-            <a:r>
-              <a:rPr lang="en-US" sz="2600">
-                <a:solidFill>
-                  <a:srgbClr val="EDEDED"/>
-                </a:solidFill>
-                <a:latin typeface="Clear Sans Regular"/>
-              </a:rPr>
-              <a:t>На начальном экране пользователя встречают 4 кнопки.</a:t>
-            </a:r>
-          </a:p>
-        </p:txBody>
-      </p:sp>
-    </p:spTree>
-  </p:cSld>
-  <p:clrMapOvr>
-    <a:masterClrMapping/>
-  </p:clrMapOvr>
-</p:sld>
-</file>
-
-<file path=ppt/slides/slide8.xml><?xml version="1.0" encoding="utf-8"?>
-<p:sld xmlns:p="http://schemas.openxmlformats.org/presentationml/2006/main" xmlns:a="http://schemas.openxmlformats.org/drawingml/2006/main" xmlns:r="http://schemas.openxmlformats.org/officeDocument/2006/relationships">
-  <p:cSld>
-    <p:bg>
-      <p:bgPr>
-        <a:solidFill>
-          <a:srgbClr val="292929"/>
-        </a:solidFill>
-      </p:bgPr>
-    </p:bg>
-    <p:spTree>
-      <p:nvGrpSpPr>
-        <p:cNvPr id="1" name=""/>
-        <p:cNvGrpSpPr/>
-        <p:nvPr/>
-      </p:nvGrpSpPr>
-      <p:grpSpPr>
-        <a:xfrm>
-          <a:off x="0" y="0"/>
-          <a:ext cx="0" cy="0"/>
-          <a:chOff x="0" y="0"/>
-          <a:chExt cx="0" cy="0"/>
-        </a:xfrm>
-      </p:grpSpPr>
-      <p:grpSp>
-        <p:nvGrpSpPr>
-          <p:cNvPr name="Group 2" id="2"/>
-          <p:cNvGrpSpPr/>
-          <p:nvPr/>
-        </p:nvGrpSpPr>
-        <p:grpSpPr>
-          <a:xfrm rot="5665580">
-            <a:off x="13853031" y="2370620"/>
-            <a:ext cx="731516" cy="3324919"/>
-            <a:chOff x="0" y="0"/>
-            <a:chExt cx="583940" cy="2654153"/>
-          </a:xfrm>
-        </p:grpSpPr>
-        <p:sp>
-          <p:nvSpPr>
-            <p:cNvPr name="Freeform 3" id="3"/>
-            <p:cNvSpPr/>
-            <p:nvPr/>
-          </p:nvSpPr>
-          <p:spPr>
-            <a:xfrm>
-              <a:off x="0" y="0"/>
-              <a:ext cx="583940" cy="2654153"/>
-            </a:xfrm>
-            <a:custGeom>
-              <a:avLst/>
-              <a:gdLst/>
-              <a:ahLst/>
-              <a:cxnLst/>
-              <a:rect r="r" b="b" t="t" l="l"/>
-              <a:pathLst>
-                <a:path h="2654153" w="583940">
-                  <a:moveTo>
-                    <a:pt x="0" y="0"/>
-                  </a:moveTo>
-                  <a:lnTo>
-                    <a:pt x="583940" y="0"/>
-                  </a:lnTo>
-                  <a:lnTo>
-                    <a:pt x="583940" y="2654153"/>
-                  </a:lnTo>
-                  <a:lnTo>
-                    <a:pt x="0" y="2654153"/>
-                  </a:lnTo>
-                  <a:close/>
-                </a:path>
-              </a:pathLst>
-            </a:custGeom>
-            <a:solidFill>
-              <a:srgbClr val="67A26F"/>
-            </a:solidFill>
-          </p:spPr>
-        </p:sp>
-      </p:grpSp>
-      <p:grpSp>
-        <p:nvGrpSpPr>
-          <p:cNvPr name="Group 4" id="4"/>
-          <p:cNvGrpSpPr/>
-          <p:nvPr/>
-        </p:nvGrpSpPr>
-        <p:grpSpPr>
-          <a:xfrm rot="-922996">
-            <a:off x="14958655" y="2054850"/>
-            <a:ext cx="1891726" cy="1891726"/>
-            <a:chOff x="0" y="0"/>
-            <a:chExt cx="6350000" cy="6350000"/>
-          </a:xfrm>
-        </p:grpSpPr>
-        <p:sp>
-          <p:nvSpPr>
-            <p:cNvPr name="Freeform 5" id="5"/>
-            <p:cNvSpPr/>
-            <p:nvPr/>
-          </p:nvSpPr>
-          <p:spPr>
-            <a:xfrm>
-              <a:off x="14167" y="0"/>
-              <a:ext cx="6321665" cy="6350000"/>
-            </a:xfrm>
-            <a:custGeom>
-              <a:avLst/>
-              <a:gdLst/>
-              <a:ahLst/>
-              <a:cxnLst/>
-              <a:rect r="r" b="b" t="t" l="l"/>
-              <a:pathLst>
-                <a:path h="6350000" w="6321665">
-                  <a:moveTo>
-                    <a:pt x="3160833" y="0"/>
-                  </a:moveTo>
-                  <a:lnTo>
-                    <a:pt x="3160833" y="0"/>
-                  </a:lnTo>
-                  <a:cubicBezTo>
-                    <a:pt x="4908795" y="7817"/>
-                    <a:pt x="6321666" y="1427021"/>
-                    <a:pt x="6321666" y="3175000"/>
-                  </a:cubicBezTo>
-                  <a:cubicBezTo>
-                    <a:pt x="6321666" y="4922979"/>
-                    <a:pt x="4908795" y="6342183"/>
-                    <a:pt x="3160833" y="6350000"/>
-                  </a:cubicBezTo>
-                  <a:cubicBezTo>
-                    <a:pt x="1412871" y="6342183"/>
-                    <a:pt x="0" y="4922979"/>
-                    <a:pt x="0" y="3175000"/>
-                  </a:cubicBezTo>
-                  <a:cubicBezTo>
-                    <a:pt x="0" y="1427021"/>
-                    <a:pt x="1412871" y="7817"/>
-                    <a:pt x="3160833" y="0"/>
-                  </a:cubicBezTo>
-                  <a:close/>
-                </a:path>
-              </a:pathLst>
-            </a:custGeom>
-            <a:solidFill>
-              <a:srgbClr val="125982"/>
-            </a:solidFill>
-          </p:spPr>
-        </p:sp>
-      </p:grpSp>
-      <p:pic>
-        <p:nvPicPr>
-          <p:cNvPr name="Picture 6" id="6"/>
-          <p:cNvPicPr>
-            <a:picLocks noChangeAspect="true"/>
-          </p:cNvPicPr>
-          <p:nvPr/>
-        </p:nvPicPr>
-        <p:blipFill>
-          <a:blip r:embed="rId2">
-            <a:extLst>
-              <a:ext uri="{28A0092B-C50C-407E-A947-70E740481C1C}">
-                <a14:useLocalDpi xmlns:a14="http://schemas.microsoft.com/office/drawing/2010/main" val="0"/>
-              </a:ext>
-              <a:ext uri="{96DAC541-7B7A-43D3-8B79-37D633B846F1}">
-                <asvg:svgBlip xmlns:asvg="http://schemas.microsoft.com/office/drawing/2016/SVG/main" r:embed="rId3"/>
-              </a:ext>
-            </a:extLst>
-          </a:blip>
-          <a:srcRect l="0" t="0" r="0" b="0"/>
-          <a:stretch>
-            <a:fillRect/>
-          </a:stretch>
-        </p:blipFill>
-        <p:spPr>
-          <a:xfrm flipH="false" flipV="false" rot="0">
-            <a:off x="15399336" y="907842"/>
-            <a:ext cx="1859964" cy="1859964"/>
-          </a:xfrm>
-          <a:prstGeom prst="rect">
-            <a:avLst/>
-          </a:prstGeom>
-        </p:spPr>
-      </p:pic>
-      <p:grpSp>
-        <p:nvGrpSpPr>
-          <p:cNvPr name="Group 7" id="7"/>
-          <p:cNvGrpSpPr/>
-          <p:nvPr/>
-        </p:nvGrpSpPr>
-        <p:grpSpPr>
-          <a:xfrm rot="-1353475">
-            <a:off x="11398860" y="959827"/>
-            <a:ext cx="2096054" cy="2096054"/>
-            <a:chOff x="0" y="0"/>
-            <a:chExt cx="1913890" cy="1913890"/>
-          </a:xfrm>
-        </p:grpSpPr>
-        <p:sp>
-          <p:nvSpPr>
-            <p:cNvPr name="Freeform 8" id="8"/>
-            <p:cNvSpPr/>
-            <p:nvPr/>
-          </p:nvSpPr>
-          <p:spPr>
-            <a:xfrm>
-              <a:off x="0" y="0"/>
-              <a:ext cx="1913890" cy="1913890"/>
-            </a:xfrm>
-            <a:custGeom>
-              <a:avLst/>
-              <a:gdLst/>
-              <a:ahLst/>
-              <a:cxnLst/>
-              <a:rect r="r" b="b" t="t" l="l"/>
-              <a:pathLst>
-                <a:path h="1913890" w="1913890">
-                  <a:moveTo>
-                    <a:pt x="0" y="0"/>
-                  </a:moveTo>
-                  <a:lnTo>
-                    <a:pt x="1913890" y="0"/>
-                  </a:lnTo>
-                  <a:lnTo>
-                    <a:pt x="1913890" y="1913890"/>
-                  </a:lnTo>
-                  <a:lnTo>
-                    <a:pt x="0" y="1913890"/>
-                  </a:lnTo>
-                  <a:close/>
-                </a:path>
-              </a:pathLst>
-            </a:custGeom>
-            <a:solidFill>
-              <a:srgbClr val="F1C34D"/>
-            </a:solidFill>
-          </p:spPr>
-        </p:sp>
-      </p:grpSp>
-      <p:pic>
-        <p:nvPicPr>
-          <p:cNvPr name="Picture 9" id="9"/>
-          <p:cNvPicPr>
-            <a:picLocks noChangeAspect="true"/>
-          </p:cNvPicPr>
-          <p:nvPr/>
-        </p:nvPicPr>
-        <p:blipFill>
-          <a:blip r:embed="rId4"/>
-          <a:srcRect l="121" t="0" r="121" b="0"/>
-          <a:stretch>
-            <a:fillRect/>
-          </a:stretch>
-        </p:blipFill>
-        <p:spPr>
-          <a:xfrm flipH="false" flipV="false" rot="0">
-            <a:off x="4835233" y="4526051"/>
-            <a:ext cx="4105104" cy="4115112"/>
+          <a:xfrm>
+            <a:off x="12801566" y="5678582"/>
+            <a:ext cx="4183986" cy="1802856"/>
           </a:xfrm>
           <a:prstGeom prst="rect">
             <a:avLst/>
@@ -5708,23 +6069,223 @@
       </p:pic>
       <p:pic>
         <p:nvPicPr>
-          <p:cNvPr name="Picture 10" id="10"/>
+          <p:cNvPr id="11" name="Picture 11"/>
           <p:cNvPicPr>
-            <a:picLocks noChangeAspect="true"/>
+            <a:picLocks noChangeAspect="1"/>
           </p:cNvPicPr>
           <p:nvPr/>
         </p:nvPicPr>
         <p:blipFill>
-          <a:blip r:embed="rId5"/>
-          <a:srcRect l="0" t="0" r="0" b="0"/>
+          <a:blip r:embed="rId3"/>
+          <a:srcRect/>
           <a:stretch>
             <a:fillRect/>
           </a:stretch>
         </p:blipFill>
         <p:spPr>
-          <a:xfrm flipH="false" flipV="false" rot="0">
-            <a:off x="9258478" y="6876169"/>
-            <a:ext cx="4183986" cy="1802856"/>
+          <a:xfrm>
+            <a:off x="12420600" y="800100"/>
+            <a:ext cx="2909435" cy="2909435"/>
+          </a:xfrm>
+          <a:prstGeom prst="rect">
+            <a:avLst/>
+          </a:prstGeom>
+        </p:spPr>
+      </p:pic>
+      <p:sp>
+        <p:nvSpPr>
+          <p:cNvPr id="13" name="TextBox 13"/>
+          <p:cNvSpPr txBox="1"/>
+          <p:nvPr/>
+        </p:nvSpPr>
+        <p:spPr>
+          <a:xfrm>
+            <a:off x="1028700" y="1047918"/>
+            <a:ext cx="8798462" cy="2025015"/>
+          </a:xfrm>
+          <a:prstGeom prst="rect">
+            <a:avLst/>
+          </a:prstGeom>
+        </p:spPr>
+        <p:txBody>
+          <a:bodyPr lIns="0" tIns="0" rIns="0" bIns="0" rtlCol="0" anchor="t">
+            <a:spAutoFit/>
+          </a:bodyPr>
+          <a:lstStyle/>
+          <a:p>
+            <a:pPr>
+              <a:lnSpc>
+                <a:spcPts val="7920"/>
+              </a:lnSpc>
+            </a:pPr>
+            <a:r>
+              <a:rPr lang="en-US" sz="7200">
+                <a:solidFill>
+                  <a:srgbClr val="EDEDED"/>
+                </a:solidFill>
+                <a:latin typeface="Clear Sans Regular"/>
+              </a:rPr>
+              <a:t>Использованные изображения</a:t>
+            </a:r>
+          </a:p>
+        </p:txBody>
+      </p:sp>
+      <p:sp>
+        <p:nvSpPr>
+          <p:cNvPr id="14" name="TextBox 14"/>
+          <p:cNvSpPr txBox="1"/>
+          <p:nvPr/>
+        </p:nvSpPr>
+        <p:spPr>
+          <a:xfrm>
+            <a:off x="7351261" y="7665496"/>
+            <a:ext cx="3233498" cy="450215"/>
+          </a:xfrm>
+          <a:prstGeom prst="rect">
+            <a:avLst/>
+          </a:prstGeom>
+        </p:spPr>
+        <p:txBody>
+          <a:bodyPr lIns="0" tIns="0" rIns="0" bIns="0" rtlCol="0" anchor="t">
+            <a:spAutoFit/>
+          </a:bodyPr>
+          <a:lstStyle/>
+          <a:p>
+            <a:pPr algn="ctr">
+              <a:lnSpc>
+                <a:spcPts val="3639"/>
+              </a:lnSpc>
+            </a:pPr>
+            <a:r>
+              <a:rPr lang="ru-RU" sz="2799" dirty="0" smtClean="0">
+                <a:solidFill>
+                  <a:srgbClr val="EDEDED"/>
+                </a:solidFill>
+                <a:latin typeface="Clear Sans Regular Bold"/>
+              </a:rPr>
+              <a:t>Корабль игрока</a:t>
+            </a:r>
+            <a:endParaRPr lang="en-US" sz="2799" dirty="0">
+              <a:solidFill>
+                <a:srgbClr val="EDEDED"/>
+              </a:solidFill>
+              <a:latin typeface="Clear Sans Regular Bold"/>
+            </a:endParaRPr>
+          </a:p>
+        </p:txBody>
+      </p:sp>
+      <p:sp>
+        <p:nvSpPr>
+          <p:cNvPr id="15" name="TextBox 15"/>
+          <p:cNvSpPr txBox="1"/>
+          <p:nvPr/>
+        </p:nvSpPr>
+        <p:spPr>
+          <a:xfrm>
+            <a:off x="13427559" y="7665813"/>
+            <a:ext cx="3233498" cy="449898"/>
+          </a:xfrm>
+          <a:prstGeom prst="rect">
+            <a:avLst/>
+          </a:prstGeom>
+        </p:spPr>
+        <p:txBody>
+          <a:bodyPr lIns="0" tIns="0" rIns="0" bIns="0" rtlCol="0" anchor="t">
+            <a:spAutoFit/>
+          </a:bodyPr>
+          <a:lstStyle/>
+          <a:p>
+            <a:pPr algn="ctr">
+              <a:lnSpc>
+                <a:spcPts val="3672"/>
+              </a:lnSpc>
+            </a:pPr>
+            <a:r>
+              <a:rPr lang="en-US" sz="2824" dirty="0" err="1">
+                <a:solidFill>
+                  <a:srgbClr val="EDEDED"/>
+                </a:solidFill>
+                <a:latin typeface="Clear Sans Regular Bold"/>
+              </a:rPr>
+              <a:t>Моб</a:t>
+            </a:r>
+            <a:endParaRPr lang="en-US" sz="2824" dirty="0">
+              <a:solidFill>
+                <a:srgbClr val="EDEDED"/>
+              </a:solidFill>
+              <a:latin typeface="Clear Sans Regular Bold"/>
+            </a:endParaRPr>
+          </a:p>
+        </p:txBody>
+      </p:sp>
+      <p:sp>
+        <p:nvSpPr>
+          <p:cNvPr id="16" name="TextBox 16"/>
+          <p:cNvSpPr txBox="1"/>
+          <p:nvPr/>
+        </p:nvSpPr>
+        <p:spPr>
+          <a:xfrm>
+            <a:off x="13347064" y="3747182"/>
+            <a:ext cx="1056505" cy="461665"/>
+          </a:xfrm>
+          <a:prstGeom prst="rect">
+            <a:avLst/>
+          </a:prstGeom>
+        </p:spPr>
+        <p:txBody>
+          <a:bodyPr wrap="square" lIns="0" tIns="0" rIns="0" bIns="0" rtlCol="0" anchor="t">
+            <a:spAutoFit/>
+          </a:bodyPr>
+          <a:lstStyle/>
+          <a:p>
+            <a:pPr>
+              <a:lnSpc>
+                <a:spcPts val="3640"/>
+              </a:lnSpc>
+            </a:pPr>
+            <a:r>
+              <a:rPr lang="ru-RU" sz="2800" dirty="0" smtClean="0">
+                <a:solidFill>
+                  <a:srgbClr val="EDEDED"/>
+                </a:solidFill>
+                <a:latin typeface="Clear Sans Regular Bold"/>
+              </a:rPr>
+              <a:t>Игрок</a:t>
+            </a:r>
+            <a:endParaRPr lang="en-US" sz="2800" dirty="0">
+              <a:solidFill>
+                <a:srgbClr val="EDEDED"/>
+              </a:solidFill>
+              <a:latin typeface="Clear Sans Regular Bold"/>
+            </a:endParaRPr>
+          </a:p>
+        </p:txBody>
+      </p:sp>
+      <p:pic>
+        <p:nvPicPr>
+          <p:cNvPr id="18" name="Рисунок 17"/>
+          <p:cNvPicPr>
+            <a:picLocks noChangeAspect="1"/>
+          </p:cNvPicPr>
+          <p:nvPr/>
+        </p:nvPicPr>
+        <p:blipFill>
+          <a:blip r:embed="rId4">
+            <a:extLst>
+              <a:ext uri="{28A0092B-C50C-407E-A947-70E740481C1C}">
+                <a14:useLocalDpi xmlns:a14="http://schemas.microsoft.com/office/drawing/2010/main" val="0"/>
+              </a:ext>
+            </a:extLst>
+          </a:blip>
+          <a:stretch>
+            <a:fillRect/>
+          </a:stretch>
+        </p:blipFill>
+        <p:spPr>
+          <a:xfrm>
+            <a:off x="6934200" y="5760813"/>
+            <a:ext cx="4667250" cy="1905000"/>
           </a:xfrm>
           <a:prstGeom prst="rect">
             <a:avLst/>
@@ -5733,109 +6294,51 @@
       </p:pic>
       <p:pic>
         <p:nvPicPr>
-          <p:cNvPr name="Picture 11" id="11"/>
+          <p:cNvPr id="19" name="Рисунок 18"/>
           <p:cNvPicPr>
-            <a:picLocks noChangeAspect="true"/>
+            <a:picLocks noChangeAspect="1"/>
           </p:cNvPicPr>
           <p:nvPr/>
         </p:nvPicPr>
         <p:blipFill>
-          <a:blip r:embed="rId6"/>
-          <a:srcRect l="0" t="0" r="0" b="0"/>
+          <a:blip r:embed="rId5">
+            <a:extLst>
+              <a:ext uri="{28A0092B-C50C-407E-A947-70E740481C1C}">
+                <a14:useLocalDpi xmlns:a14="http://schemas.microsoft.com/office/drawing/2010/main" val="0"/>
+              </a:ext>
+            </a:extLst>
+          </a:blip>
           <a:stretch>
             <a:fillRect/>
           </a:stretch>
         </p:blipFill>
         <p:spPr>
-          <a:xfrm flipH="false" flipV="false" rot="0">
-            <a:off x="14349865" y="5731729"/>
-            <a:ext cx="2909435" cy="2909435"/>
+          <a:xfrm>
+            <a:off x="544736" y="3924299"/>
+            <a:ext cx="5189347" cy="5189347"/>
           </a:xfrm>
           <a:prstGeom prst="rect">
             <a:avLst/>
           </a:prstGeom>
         </p:spPr>
       </p:pic>
-      <p:pic>
-        <p:nvPicPr>
-          <p:cNvPr name="Picture 12" id="12"/>
-          <p:cNvPicPr>
-            <a:picLocks noChangeAspect="true"/>
-          </p:cNvPicPr>
+      <p:sp>
+        <p:nvSpPr>
+          <p:cNvPr id="20" name="TextBox 14"/>
+          <p:cNvSpPr txBox="1"/>
           <p:nvPr/>
-        </p:nvPicPr>
-        <p:blipFill>
-          <a:blip r:embed="rId7"/>
-          <a:srcRect l="0" t="6990" r="10328" b="12113"/>
-          <a:stretch>
-            <a:fillRect/>
-          </a:stretch>
-        </p:blipFill>
+        </p:nvSpPr>
         <p:spPr>
-          <a:xfrm flipH="false" flipV="false" rot="0">
-            <a:off x="1028700" y="5735612"/>
-            <a:ext cx="3246352" cy="2928650"/>
+          <a:xfrm>
+            <a:off x="544737" y="9113646"/>
+            <a:ext cx="5189346" cy="461665"/>
           </a:xfrm>
           <a:prstGeom prst="rect">
             <a:avLst/>
           </a:prstGeom>
         </p:spPr>
-      </p:pic>
-      <p:sp>
-        <p:nvSpPr>
-          <p:cNvPr name="TextBox 13" id="13"/>
-          <p:cNvSpPr txBox="true"/>
-          <p:nvPr/>
-        </p:nvSpPr>
-        <p:spPr>
-          <a:xfrm rot="0">
-            <a:off x="1028700" y="1047918"/>
-            <a:ext cx="8798462" cy="2025015"/>
-          </a:xfrm>
-          <a:prstGeom prst="rect">
-            <a:avLst/>
-          </a:prstGeom>
-        </p:spPr>
-        <p:txBody>
-          <a:bodyPr anchor="t" rtlCol="false" tIns="0" lIns="0" bIns="0" rIns="0">
-            <a:spAutoFit/>
-          </a:bodyPr>
-          <a:lstStyle/>
-          <a:p>
-            <a:pPr>
-              <a:lnSpc>
-                <a:spcPts val="7920"/>
-              </a:lnSpc>
-            </a:pPr>
-            <a:r>
-              <a:rPr lang="en-US" sz="7200">
-                <a:solidFill>
-                  <a:srgbClr val="EDEDED"/>
-                </a:solidFill>
-                <a:latin typeface="Clear Sans Regular"/>
-              </a:rPr>
-              <a:t>Использованные изображения</a:t>
-            </a:r>
-          </a:p>
-        </p:txBody>
-      </p:sp>
-      <p:sp>
-        <p:nvSpPr>
-          <p:cNvPr name="TextBox 14" id="14"/>
-          <p:cNvSpPr txBox="true"/>
-          <p:nvPr/>
-        </p:nvSpPr>
-        <p:spPr>
-          <a:xfrm rot="0">
-            <a:off x="5271036" y="8650450"/>
-            <a:ext cx="3233498" cy="450215"/>
-          </a:xfrm>
-          <a:prstGeom prst="rect">
-            <a:avLst/>
-          </a:prstGeom>
-        </p:spPr>
-        <p:txBody>
-          <a:bodyPr anchor="t" rtlCol="false" tIns="0" lIns="0" bIns="0" rIns="0">
+        <p:txBody>
+          <a:bodyPr wrap="square" lIns="0" tIns="0" rIns="0" bIns="0" rtlCol="0" anchor="t">
             <a:spAutoFit/>
           </a:bodyPr>
           <a:lstStyle/>
@@ -5846,128 +6349,20 @@
               </a:lnSpc>
             </a:pPr>
             <a:r>
-              <a:rPr lang="en-US" sz="2799">
+              <a:rPr lang="ru-RU" sz="2799" dirty="0" smtClean="0">
                 <a:solidFill>
                   <a:srgbClr val="EDEDED"/>
                 </a:solidFill>
                 <a:latin typeface="Clear Sans Regular Bold"/>
               </a:rPr>
-              <a:t>Реактор</a:t>
-            </a:r>
-          </a:p>
-        </p:txBody>
-      </p:sp>
-      <p:sp>
-        <p:nvSpPr>
-          <p:cNvPr name="TextBox 15" id="15"/>
-          <p:cNvSpPr txBox="true"/>
-          <p:nvPr/>
-        </p:nvSpPr>
-        <p:spPr>
-          <a:xfrm rot="0">
-            <a:off x="9733722" y="8650450"/>
-            <a:ext cx="3233498" cy="449898"/>
-          </a:xfrm>
-          <a:prstGeom prst="rect">
-            <a:avLst/>
-          </a:prstGeom>
-        </p:spPr>
-        <p:txBody>
-          <a:bodyPr anchor="t" rtlCol="false" tIns="0" lIns="0" bIns="0" rIns="0">
-            <a:spAutoFit/>
-          </a:bodyPr>
-          <a:lstStyle/>
-          <a:p>
-            <a:pPr algn="ctr">
-              <a:lnSpc>
-                <a:spcPts val="3672"/>
-              </a:lnSpc>
-            </a:pPr>
-            <a:r>
-              <a:rPr lang="en-US" sz="2824">
-                <a:solidFill>
-                  <a:srgbClr val="EDEDED"/>
-                </a:solidFill>
-                <a:latin typeface="Clear Sans Regular Bold"/>
-              </a:rPr>
-              <a:t>Моб</a:t>
-            </a:r>
-          </a:p>
-        </p:txBody>
-      </p:sp>
-      <p:sp>
-        <p:nvSpPr>
-          <p:cNvPr name="TextBox 16" id="16"/>
-          <p:cNvSpPr txBox="true"/>
-          <p:nvPr/>
-        </p:nvSpPr>
-        <p:spPr>
-          <a:xfrm rot="0">
-            <a:off x="14893561" y="8612589"/>
-            <a:ext cx="1822043" cy="450215"/>
-          </a:xfrm>
-          <a:prstGeom prst="rect">
-            <a:avLst/>
-          </a:prstGeom>
-        </p:spPr>
-        <p:txBody>
-          <a:bodyPr anchor="t" rtlCol="false" tIns="0" lIns="0" bIns="0" rIns="0">
-            <a:spAutoFit/>
-          </a:bodyPr>
-          <a:lstStyle/>
-          <a:p>
-            <a:pPr>
-              <a:lnSpc>
-                <a:spcPts val="3640"/>
-              </a:lnSpc>
-            </a:pPr>
-            <a:r>
-              <a:rPr lang="en-US" sz="2800">
-                <a:solidFill>
-                  <a:srgbClr val="EDEDED"/>
-                </a:solidFill>
-                <a:latin typeface="Clear Sans Regular Bold"/>
-              </a:rPr>
-              <a:t>Астронавт</a:t>
-            </a:r>
-          </a:p>
-        </p:txBody>
-      </p:sp>
-      <p:sp>
-        <p:nvSpPr>
-          <p:cNvPr name="TextBox 17" id="17"/>
-          <p:cNvSpPr txBox="true"/>
-          <p:nvPr/>
-        </p:nvSpPr>
-        <p:spPr>
-          <a:xfrm rot="0">
-            <a:off x="1908268" y="8668072"/>
-            <a:ext cx="1487216" cy="450215"/>
-          </a:xfrm>
-          <a:prstGeom prst="rect">
-            <a:avLst/>
-          </a:prstGeom>
-        </p:spPr>
-        <p:txBody>
-          <a:bodyPr anchor="t" rtlCol="false" tIns="0" lIns="0" bIns="0" rIns="0">
-            <a:spAutoFit/>
-          </a:bodyPr>
-          <a:lstStyle/>
-          <a:p>
-            <a:pPr algn="ctr">
-              <a:lnSpc>
-                <a:spcPts val="3639"/>
-              </a:lnSpc>
-            </a:pPr>
-            <a:r>
-              <a:rPr lang="en-US" sz="2799">
-                <a:solidFill>
-                  <a:srgbClr val="EDEDED"/>
-                </a:solidFill>
-                <a:latin typeface="Clear Sans Regular Bold"/>
-              </a:rPr>
-              <a:t>Моб</a:t>
-            </a:r>
+              <a:t>Генератор кислорода</a:t>
+            </a:r>
+            <a:endParaRPr lang="en-US" sz="2799" dirty="0">
+              <a:solidFill>
+                <a:srgbClr val="EDEDED"/>
+              </a:solidFill>
+              <a:latin typeface="Clear Sans Regular Bold"/>
+            </a:endParaRPr>
           </a:p>
         </p:txBody>
       </p:sp>
@@ -5976,298 +6371,13 @@
   <p:clrMapOvr>
     <a:masterClrMapping/>
   </p:clrMapOvr>
-</p:sld>
-</file>
-
-<file path=ppt/slides/slide9.xml><?xml version="1.0" encoding="utf-8"?>
-<p:sld xmlns:p="http://schemas.openxmlformats.org/presentationml/2006/main" xmlns:a="http://schemas.openxmlformats.org/drawingml/2006/main" xmlns:r="http://schemas.openxmlformats.org/officeDocument/2006/relationships">
-  <p:cSld>
-    <p:bg>
-      <p:bgPr>
-        <a:solidFill>
-          <a:srgbClr val="292929"/>
-        </a:solidFill>
-      </p:bgPr>
-    </p:bg>
-    <p:spTree>
-      <p:nvGrpSpPr>
-        <p:cNvPr id="1" name=""/>
-        <p:cNvGrpSpPr/>
-        <p:nvPr/>
-      </p:nvGrpSpPr>
-      <p:grpSpPr>
-        <a:xfrm>
-          <a:off x="0" y="0"/>
-          <a:ext cx="0" cy="0"/>
-          <a:chOff x="0" y="0"/>
-          <a:chExt cx="0" cy="0"/>
-        </a:xfrm>
-      </p:grpSpPr>
-      <p:sp>
-        <p:nvSpPr>
-          <p:cNvPr name="TextBox 2" id="2"/>
-          <p:cNvSpPr txBox="true"/>
-          <p:nvPr/>
-        </p:nvSpPr>
-        <p:spPr>
-          <a:xfrm rot="0">
-            <a:off x="1028700" y="1123950"/>
-            <a:ext cx="6553420" cy="1360170"/>
-          </a:xfrm>
-          <a:prstGeom prst="rect">
-            <a:avLst/>
-          </a:prstGeom>
-        </p:spPr>
-        <p:txBody>
-          <a:bodyPr anchor="t" rtlCol="false" tIns="0" lIns="0" bIns="0" rIns="0">
-            <a:spAutoFit/>
-          </a:bodyPr>
-          <a:lstStyle/>
-          <a:p>
-            <a:pPr algn="just">
-              <a:lnSpc>
-                <a:spcPts val="10560"/>
-              </a:lnSpc>
-            </a:pPr>
-            <a:r>
-              <a:rPr lang="en-US" sz="9600">
-                <a:solidFill>
-                  <a:srgbClr val="EDEDED"/>
-                </a:solidFill>
-                <a:latin typeface="Clear Sans Regular"/>
-              </a:rPr>
-              <a:t>Вывод</a:t>
-            </a:r>
-          </a:p>
-        </p:txBody>
-      </p:sp>
-      <p:sp>
-        <p:nvSpPr>
-          <p:cNvPr name="TextBox 3" id="3"/>
-          <p:cNvSpPr txBox="true"/>
-          <p:nvPr/>
-        </p:nvSpPr>
-        <p:spPr>
-          <a:xfrm rot="0">
-            <a:off x="1028700" y="4335621"/>
-            <a:ext cx="5568655" cy="1587183"/>
-          </a:xfrm>
-          <a:prstGeom prst="rect">
-            <a:avLst/>
-          </a:prstGeom>
-        </p:spPr>
-        <p:txBody>
-          <a:bodyPr anchor="t" rtlCol="false" tIns="0" lIns="0" bIns="0" rIns="0">
-            <a:spAutoFit/>
-          </a:bodyPr>
-          <a:lstStyle/>
-          <a:p>
-            <a:pPr>
-              <a:lnSpc>
-                <a:spcPts val="4257"/>
-              </a:lnSpc>
-            </a:pPr>
-            <a:r>
-              <a:rPr lang="en-US" sz="3274">
-                <a:solidFill>
-                  <a:srgbClr val="EDEDED"/>
-                </a:solidFill>
-                <a:latin typeface="Clear Sans Regular"/>
-              </a:rPr>
-              <a:t>Подводя итоги, можем сказать, что мы справились с поставленной задачей.</a:t>
-            </a:r>
-          </a:p>
-        </p:txBody>
-      </p:sp>
-      <p:grpSp>
-        <p:nvGrpSpPr>
-          <p:cNvPr name="Group 4" id="4"/>
-          <p:cNvGrpSpPr/>
-          <p:nvPr/>
-        </p:nvGrpSpPr>
-        <p:grpSpPr>
-          <a:xfrm rot="-5400000">
-            <a:off x="12507486" y="6355403"/>
-            <a:ext cx="3023926" cy="2781868"/>
-            <a:chOff x="0" y="0"/>
-            <a:chExt cx="2354580" cy="2166102"/>
-          </a:xfrm>
-        </p:grpSpPr>
-        <p:sp>
-          <p:nvSpPr>
-            <p:cNvPr name="Freeform 5" id="5"/>
-            <p:cNvSpPr/>
-            <p:nvPr/>
-          </p:nvSpPr>
-          <p:spPr>
-            <a:xfrm>
-              <a:off x="0" y="0"/>
-              <a:ext cx="2353310" cy="2166102"/>
-            </a:xfrm>
-            <a:custGeom>
-              <a:avLst/>
-              <a:gdLst/>
-              <a:ahLst/>
-              <a:cxnLst/>
-              <a:rect r="r" b="b" t="t" l="l"/>
-              <a:pathLst>
-                <a:path h="2166102" w="2353310">
-                  <a:moveTo>
-                    <a:pt x="784860" y="2098792"/>
-                  </a:moveTo>
-                  <a:cubicBezTo>
-                    <a:pt x="905510" y="2139432"/>
-                    <a:pt x="1042670" y="2166102"/>
-                    <a:pt x="1177290" y="2166102"/>
-                  </a:cubicBezTo>
-                  <a:cubicBezTo>
-                    <a:pt x="1311910" y="2166102"/>
-                    <a:pt x="1441450" y="2143242"/>
-                    <a:pt x="1560830" y="2102602"/>
-                  </a:cubicBezTo>
-                  <a:cubicBezTo>
-                    <a:pt x="1563370" y="2101332"/>
-                    <a:pt x="1565910" y="2101332"/>
-                    <a:pt x="1568450" y="2100062"/>
-                  </a:cubicBezTo>
-                  <a:cubicBezTo>
-                    <a:pt x="2016760" y="1937502"/>
-                    <a:pt x="2346960" y="1508242"/>
-                    <a:pt x="2353310" y="1008755"/>
-                  </a:cubicBezTo>
-                  <a:lnTo>
-                    <a:pt x="2353310" y="0"/>
-                  </a:lnTo>
-                  <a:lnTo>
-                    <a:pt x="0" y="0"/>
-                  </a:lnTo>
-                  <a:lnTo>
-                    <a:pt x="0" y="1008025"/>
-                  </a:lnTo>
-                  <a:cubicBezTo>
-                    <a:pt x="6350" y="1510782"/>
-                    <a:pt x="331470" y="1940042"/>
-                    <a:pt x="784860" y="2098792"/>
-                  </a:cubicBezTo>
-                  <a:close/>
-                </a:path>
-              </a:pathLst>
-            </a:custGeom>
-            <a:solidFill>
-              <a:srgbClr val="F84E4E"/>
-            </a:solidFill>
-          </p:spPr>
-        </p:sp>
-      </p:grpSp>
-      <p:grpSp>
-        <p:nvGrpSpPr>
-          <p:cNvPr name="Group 6" id="6"/>
-          <p:cNvGrpSpPr/>
-          <p:nvPr/>
-        </p:nvGrpSpPr>
-        <p:grpSpPr>
-          <a:xfrm rot="817475">
-            <a:off x="11005106" y="4865881"/>
-            <a:ext cx="2358924" cy="3295507"/>
-            <a:chOff x="0" y="0"/>
-            <a:chExt cx="4545330" cy="6350000"/>
-          </a:xfrm>
-        </p:grpSpPr>
-        <p:sp>
-          <p:nvSpPr>
-            <p:cNvPr name="Freeform 7" id="7"/>
-            <p:cNvSpPr/>
-            <p:nvPr/>
-          </p:nvSpPr>
-          <p:spPr>
-            <a:xfrm>
-              <a:off x="0" y="0"/>
-              <a:ext cx="4545330" cy="6350000"/>
-            </a:xfrm>
-            <a:custGeom>
-              <a:avLst/>
-              <a:gdLst/>
-              <a:ahLst/>
-              <a:cxnLst/>
-              <a:rect r="r" b="b" t="t" l="l"/>
-              <a:pathLst>
-                <a:path h="6350000" w="4545330">
-                  <a:moveTo>
-                    <a:pt x="4545330" y="0"/>
-                  </a:moveTo>
-                  <a:lnTo>
-                    <a:pt x="2574290" y="6350000"/>
-                  </a:lnTo>
-                  <a:lnTo>
-                    <a:pt x="2474849" y="6350000"/>
-                  </a:lnTo>
-                  <a:lnTo>
-                    <a:pt x="2078101" y="6350000"/>
-                  </a:lnTo>
-                  <a:lnTo>
-                    <a:pt x="0" y="6350000"/>
-                  </a:lnTo>
-                  <a:lnTo>
-                    <a:pt x="1971040" y="0"/>
-                  </a:lnTo>
-                  <a:lnTo>
-                    <a:pt x="2078101" y="0"/>
-                  </a:lnTo>
-                  <a:lnTo>
-                    <a:pt x="2474849" y="0"/>
-                  </a:lnTo>
-                  <a:lnTo>
-                    <a:pt x="4545330" y="0"/>
-                  </a:lnTo>
-                  <a:close/>
-                </a:path>
-              </a:pathLst>
-            </a:custGeom>
-            <a:solidFill>
-              <a:srgbClr val="125982"/>
-            </a:solidFill>
-          </p:spPr>
-        </p:sp>
-      </p:grpSp>
-      <p:pic>
-        <p:nvPicPr>
-          <p:cNvPr name="Picture 8" id="8"/>
-          <p:cNvPicPr>
-            <a:picLocks noChangeAspect="true"/>
-          </p:cNvPicPr>
-          <p:nvPr/>
-        </p:nvPicPr>
-        <p:blipFill>
-          <a:blip r:embed="rId2">
-            <a:extLst>
-              <a:ext uri="{28A0092B-C50C-407E-A947-70E740481C1C}">
-                <a14:useLocalDpi xmlns:a14="http://schemas.microsoft.com/office/drawing/2010/main" val="0"/>
-              </a:ext>
-              <a:ext uri="{96DAC541-7B7A-43D3-8B79-37D633B846F1}">
-                <asvg:svgBlip xmlns:asvg="http://schemas.microsoft.com/office/drawing/2016/SVG/main" r:embed="rId3"/>
-              </a:ext>
-            </a:extLst>
-          </a:blip>
-          <a:srcRect l="0" t="0" r="0" b="0"/>
-          <a:stretch>
-            <a:fillRect/>
-          </a:stretch>
-        </p:blipFill>
-        <p:spPr>
-          <a:xfrm flipH="false" flipV="false" rot="0">
-            <a:off x="14947006" y="4809852"/>
-            <a:ext cx="2312294" cy="2312294"/>
-          </a:xfrm>
-          <a:prstGeom prst="rect">
-            <a:avLst/>
-          </a:prstGeom>
-        </p:spPr>
-      </p:pic>
-    </p:spTree>
-  </p:cSld>
-  <p:clrMapOvr>
-    <a:masterClrMapping/>
-  </p:clrMapOvr>
+  <p:timing>
+    <p:tnLst>
+      <p:par>
+        <p:cTn id="1" dur="indefinite" restart="never" nodeType="tmRoot"/>
+      </p:par>
+    </p:tnLst>
+  </p:timing>
 </p:sld>
 </file>
 

--- a/DESCRIPTION/IMMERSED.pptx
+++ b/DESCRIPTION/IMMERSED.pptx
@@ -1,47 +1,29 @@
 
 <file path=ppt/presentation.xml><?xml version="1.0" encoding="utf-8"?>
-<p:presentation xmlns:a="http://schemas.openxmlformats.org/drawingml/2006/main" xmlns:r="http://schemas.openxmlformats.org/officeDocument/2006/relationships" xmlns:p="http://schemas.openxmlformats.org/presentationml/2006/main" embedTrueTypeFonts="1" saveSubsetFonts="1">
+<p:presentation xmlns:a="http://schemas.openxmlformats.org/drawingml/2006/main" xmlns:r="http://schemas.openxmlformats.org/officeDocument/2006/relationships" xmlns:mc="http://schemas.openxmlformats.org/markup-compatibility/2006" xmlns:mv="urn:schemas-microsoft-com:mac:vml" xmlns:p="http://schemas.openxmlformats.org/presentationml/2006/main" xmlns:c="http://schemas.openxmlformats.org/drawingml/2006/chart" xmlns:dgm="http://schemas.openxmlformats.org/drawingml/2006/diagram" xmlns:o="urn:schemas-microsoft-com:office:office" xmlns:v="urn:schemas-microsoft-com:vml" xmlns:pvml="urn:schemas-microsoft-com:office:powerpoint" xmlns:com="http://schemas.openxmlformats.org/drawingml/2006/compatibility" xmlns:p14="http://schemas.microsoft.com/office/powerpoint/2010/main" xmlns:p15="http://schemas.microsoft.com/office/powerpoint/2012/main" xmlns:ahyp="http://schemas.microsoft.com/office/drawing/2018/hyperlinkcolor" autoCompressPictures="0" strictFirstAndLastChars="0" saveSubsetFonts="1">
   <p:sldMasterIdLst>
-    <p:sldMasterId id="2147483648" r:id="rId1"/>
+    <p:sldMasterId id="2147483648" r:id="rId4"/>
   </p:sldMasterIdLst>
   <p:sldIdLst>
-    <p:sldId id="256" r:id="rId2"/>
-    <p:sldId id="257" r:id="rId3"/>
-    <p:sldId id="258" r:id="rId4"/>
-    <p:sldId id="259" r:id="rId5"/>
-    <p:sldId id="260" r:id="rId6"/>
-    <p:sldId id="261" r:id="rId7"/>
-    <p:sldId id="262" r:id="rId8"/>
-    <p:sldId id="267" r:id="rId9"/>
-    <p:sldId id="263" r:id="rId10"/>
-    <p:sldId id="264" r:id="rId11"/>
-    <p:sldId id="265" r:id="rId12"/>
+    <p:sldId id="256" r:id="rId5"/>
+    <p:sldId id="257" r:id="rId6"/>
+    <p:sldId id="258" r:id="rId7"/>
+    <p:sldId id="259" r:id="rId8"/>
+    <p:sldId id="260" r:id="rId9"/>
+    <p:sldId id="261" r:id="rId10"/>
+    <p:sldId id="262" r:id="rId11"/>
+    <p:sldId id="263" r:id="rId12"/>
+    <p:sldId id="264" r:id="rId13"/>
+    <p:sldId id="265" r:id="rId14"/>
   </p:sldIdLst>
-  <p:sldSz cx="18288000" cy="10287000"/>
+  <p:sldSz cy="10287000" cx="18288000"/>
   <p:notesSz cx="6858000" cy="9144000"/>
-  <p:embeddedFontLst>
-    <p:embeddedFont>
-      <p:font typeface="Calibri" panose="020F0502020204030204" pitchFamily="34" charset="0"/>
-      <p:regular r:id="rId13"/>
-      <p:bold r:id="rId14"/>
-      <p:italic r:id="rId15"/>
-      <p:boldItalic r:id="rId16"/>
-    </p:embeddedFont>
-    <p:embeddedFont>
-      <p:font typeface="Clear Sans Regular" panose="020B0604020202020204" charset="0"/>
-      <p:regular r:id="rId17"/>
-    </p:embeddedFont>
-    <p:embeddedFont>
-      <p:font typeface="Clear Sans Regular Bold" panose="020B0604020202020204" charset="0"/>
-      <p:regular r:id="rId18"/>
-    </p:embeddedFont>
-  </p:embeddedFontLst>
   <p:defaultTextStyle>
-    <a:defPPr>
+    <a:defPPr lvl="0">
       <a:defRPr lang="en-US"/>
     </a:defPPr>
-    <a:lvl1pPr marL="0" algn="l" defTabSz="914400" rtl="0" eaLnBrk="1" latinLnBrk="0" hangingPunct="1">
-      <a:defRPr sz="1800" kern="1200">
+    <a:lvl1pPr defTabSz="914400" eaLnBrk="1" hangingPunct="1" latinLnBrk="0" lvl="0" marL="0" rtl="0" algn="l">
+      <a:defRPr kern="1200" sz="1800">
         <a:solidFill>
           <a:schemeClr val="tx1"/>
         </a:solidFill>
@@ -50,8 +32,8 @@
         <a:cs typeface="+mn-cs"/>
       </a:defRPr>
     </a:lvl1pPr>
-    <a:lvl2pPr marL="457200" algn="l" defTabSz="914400" rtl="0" eaLnBrk="1" latinLnBrk="0" hangingPunct="1">
-      <a:defRPr sz="1800" kern="1200">
+    <a:lvl2pPr defTabSz="914400" eaLnBrk="1" hangingPunct="1" latinLnBrk="0" lvl="1" marL="457200" rtl="0" algn="l">
+      <a:defRPr kern="1200" sz="1800">
         <a:solidFill>
           <a:schemeClr val="tx1"/>
         </a:solidFill>
@@ -60,8 +42,8 @@
         <a:cs typeface="+mn-cs"/>
       </a:defRPr>
     </a:lvl2pPr>
-    <a:lvl3pPr marL="914400" algn="l" defTabSz="914400" rtl="0" eaLnBrk="1" latinLnBrk="0" hangingPunct="1">
-      <a:defRPr sz="1800" kern="1200">
+    <a:lvl3pPr defTabSz="914400" eaLnBrk="1" hangingPunct="1" latinLnBrk="0" lvl="2" marL="914400" rtl="0" algn="l">
+      <a:defRPr kern="1200" sz="1800">
         <a:solidFill>
           <a:schemeClr val="tx1"/>
         </a:solidFill>
@@ -70,8 +52,8 @@
         <a:cs typeface="+mn-cs"/>
       </a:defRPr>
     </a:lvl3pPr>
-    <a:lvl4pPr marL="1371600" algn="l" defTabSz="914400" rtl="0" eaLnBrk="1" latinLnBrk="0" hangingPunct="1">
-      <a:defRPr sz="1800" kern="1200">
+    <a:lvl4pPr defTabSz="914400" eaLnBrk="1" hangingPunct="1" latinLnBrk="0" lvl="3" marL="1371600" rtl="0" algn="l">
+      <a:defRPr kern="1200" sz="1800">
         <a:solidFill>
           <a:schemeClr val="tx1"/>
         </a:solidFill>
@@ -80,8 +62,8 @@
         <a:cs typeface="+mn-cs"/>
       </a:defRPr>
     </a:lvl4pPr>
-    <a:lvl5pPr marL="1828800" algn="l" defTabSz="914400" rtl="0" eaLnBrk="1" latinLnBrk="0" hangingPunct="1">
-      <a:defRPr sz="1800" kern="1200">
+    <a:lvl5pPr defTabSz="914400" eaLnBrk="1" hangingPunct="1" latinLnBrk="0" lvl="4" marL="1828800" rtl="0" algn="l">
+      <a:defRPr kern="1200" sz="1800">
         <a:solidFill>
           <a:schemeClr val="tx1"/>
         </a:solidFill>
@@ -90,8 +72,8 @@
         <a:cs typeface="+mn-cs"/>
       </a:defRPr>
     </a:lvl5pPr>
-    <a:lvl6pPr marL="2286000" algn="l" defTabSz="914400" rtl="0" eaLnBrk="1" latinLnBrk="0" hangingPunct="1">
-      <a:defRPr sz="1800" kern="1200">
+    <a:lvl6pPr defTabSz="914400" eaLnBrk="1" hangingPunct="1" latinLnBrk="0" lvl="5" marL="2286000" rtl="0" algn="l">
+      <a:defRPr kern="1200" sz="1800">
         <a:solidFill>
           <a:schemeClr val="tx1"/>
         </a:solidFill>
@@ -100,8 +82,8 @@
         <a:cs typeface="+mn-cs"/>
       </a:defRPr>
     </a:lvl6pPr>
-    <a:lvl7pPr marL="2743200" algn="l" defTabSz="914400" rtl="0" eaLnBrk="1" latinLnBrk="0" hangingPunct="1">
-      <a:defRPr sz="1800" kern="1200">
+    <a:lvl7pPr defTabSz="914400" eaLnBrk="1" hangingPunct="1" latinLnBrk="0" lvl="6" marL="2743200" rtl="0" algn="l">
+      <a:defRPr kern="1200" sz="1800">
         <a:solidFill>
           <a:schemeClr val="tx1"/>
         </a:solidFill>
@@ -110,8 +92,8 @@
         <a:cs typeface="+mn-cs"/>
       </a:defRPr>
     </a:lvl7pPr>
-    <a:lvl8pPr marL="3200400" algn="l" defTabSz="914400" rtl="0" eaLnBrk="1" latinLnBrk="0" hangingPunct="1">
-      <a:defRPr sz="1800" kern="1200">
+    <a:lvl8pPr defTabSz="914400" eaLnBrk="1" hangingPunct="1" latinLnBrk="0" lvl="7" marL="3200400" rtl="0" algn="l">
+      <a:defRPr kern="1200" sz="1800">
         <a:solidFill>
           <a:schemeClr val="tx1"/>
         </a:solidFill>
@@ -120,8 +102,8 @@
         <a:cs typeface="+mn-cs"/>
       </a:defRPr>
     </a:lvl8pPr>
-    <a:lvl9pPr marL="3657600" algn="l" defTabSz="914400" rtl="0" eaLnBrk="1" latinLnBrk="0" hangingPunct="1">
-      <a:defRPr sz="1800" kern="1200">
+    <a:lvl9pPr defTabSz="914400" eaLnBrk="1" hangingPunct="1" latinLnBrk="0" lvl="8" marL="3657600" rtl="0" algn="l">
+      <a:defRPr kern="1200" sz="1800">
         <a:solidFill>
           <a:schemeClr val="tx1"/>
         </a:solidFill>
@@ -133,7 +115,7 @@
   </p:defaultTextStyle>
   <p:extLst>
     <p:ext uri="{EFAFB233-063F-42B5-8137-9DF3F51BA10A}">
-      <p15:sldGuideLst xmlns:p15="http://schemas.microsoft.com/office/powerpoint/2012/main">
+      <p15:sldGuideLst>
         <p15:guide id="1" orient="horz" pos="2160">
           <p15:clr>
             <a:srgbClr val="A4A3A4"/>
@@ -148,6 +130,30 @@
     </p:ext>
   </p:extLst>
 </p:presentation>
+</file>
+
+<file path=ppt/presProps1.xml><?xml version="1.0" encoding="utf-8"?>
+<p:presentationPr xmlns:a="http://schemas.openxmlformats.org/drawingml/2006/main" xmlns:r="http://schemas.openxmlformats.org/officeDocument/2006/relationships" xmlns:mc="http://schemas.openxmlformats.org/markup-compatibility/2006" xmlns:mv="urn:schemas-microsoft-com:mac:vml" xmlns:p="http://schemas.openxmlformats.org/presentationml/2006/main" xmlns:c="http://schemas.openxmlformats.org/drawingml/2006/chart" xmlns:dgm="http://schemas.openxmlformats.org/drawingml/2006/diagram" xmlns:o="urn:schemas-microsoft-com:office:office" xmlns:v="urn:schemas-microsoft-com:vml" xmlns:pvml="urn:schemas-microsoft-com:office:powerpoint" xmlns:com="http://schemas.openxmlformats.org/drawingml/2006/compatibility" xmlns:p14="http://schemas.microsoft.com/office/powerpoint/2010/main" xmlns:p15="http://schemas.microsoft.com/office/powerpoint/2012/main" xmlns:ahyp="http://schemas.microsoft.com/office/drawing/2018/hyperlinkcolor"/>
+</file>
+
+<file path=ppt/viewProps1.xml><?xml version="1.0" encoding="utf-8"?>
+<p:viewPr xmlns:a="http://schemas.openxmlformats.org/drawingml/2006/main" xmlns:r="http://schemas.openxmlformats.org/officeDocument/2006/relationships" xmlns:mc="http://schemas.openxmlformats.org/markup-compatibility/2006" xmlns:mv="urn:schemas-microsoft-com:mac:vml" xmlns:p="http://schemas.openxmlformats.org/presentationml/2006/main" xmlns:c="http://schemas.openxmlformats.org/drawingml/2006/chart" xmlns:dgm="http://schemas.openxmlformats.org/drawingml/2006/diagram" xmlns:o="urn:schemas-microsoft-com:office:office" xmlns:v="urn:schemas-microsoft-com:vml" xmlns:pvml="urn:schemas-microsoft-com:office:powerpoint" xmlns:com="http://schemas.openxmlformats.org/drawingml/2006/compatibility" xmlns:p14="http://schemas.microsoft.com/office/powerpoint/2010/main" xmlns:p15="http://schemas.microsoft.com/office/powerpoint/2012/main" xmlns:ahyp="http://schemas.microsoft.com/office/drawing/2018/hyperlinkcolor" showComments="0">
+  <p:slideViewPr>
+    <p:cSldViewPr snapToGrid="0">
+      <p:cViewPr varScale="1">
+        <p:scale>
+          <a:sx n="100" d="100"/>
+          <a:sy n="100" d="100"/>
+        </p:scale>
+        <p:origin x="0" y="0"/>
+      </p:cViewPr>
+      <p:guideLst>
+        <p:guide pos="2160" orient="horz"/>
+        <p:guide pos="2880"/>
+      </p:guideLst>
+    </p:cSldViewPr>
+  </p:slideViewPr>
+</p:viewPr>
 </file>
 
 <file path=ppt/slideLayouts/slideLayout1.xml><?xml version="1.0" encoding="utf-8"?>
@@ -5238,163 +5244,6 @@
 </p:sld>
 </file>
 
-<file path=ppt/slides/slide5.xml><?xml version="1.0" encoding="utf-8"?>
-<p:sld xmlns:a="http://schemas.openxmlformats.org/drawingml/2006/main" xmlns:r="http://schemas.openxmlformats.org/officeDocument/2006/relationships" xmlns:p="http://schemas.openxmlformats.org/presentationml/2006/main">
-  <p:cSld>
-    <p:bg>
-      <p:bgPr>
-        <a:solidFill>
-          <a:srgbClr val="292929"/>
-        </a:solidFill>
-        <a:effectLst/>
-      </p:bgPr>
-    </p:bg>
-    <p:spTree>
-      <p:nvGrpSpPr>
-        <p:cNvPr id="1" name=""/>
-        <p:cNvGrpSpPr/>
-        <p:nvPr/>
-      </p:nvGrpSpPr>
-      <p:grpSpPr>
-        <a:xfrm>
-          <a:off x="0" y="0"/>
-          <a:ext cx="0" cy="0"/>
-          <a:chOff x="0" y="0"/>
-          <a:chExt cx="0" cy="0"/>
-        </a:xfrm>
-      </p:grpSpPr>
-      <p:pic>
-        <p:nvPicPr>
-          <p:cNvPr id="2" name="Picture 2"/>
-          <p:cNvPicPr>
-            <a:picLocks noChangeAspect="1"/>
-          </p:cNvPicPr>
-          <p:nvPr/>
-        </p:nvPicPr>
-        <p:blipFill>
-          <a:blip r:embed="rId2"/>
-          <a:srcRect/>
-          <a:stretch>
-            <a:fillRect/>
-          </a:stretch>
-        </p:blipFill>
-        <p:spPr>
-          <a:xfrm>
-            <a:off x="7973510" y="2289067"/>
-            <a:ext cx="9285790" cy="5708866"/>
-          </a:xfrm>
-          <a:prstGeom prst="rect">
-            <a:avLst/>
-          </a:prstGeom>
-        </p:spPr>
-      </p:pic>
-      <p:sp>
-        <p:nvSpPr>
-          <p:cNvPr id="3" name="TextBox 3"/>
-          <p:cNvSpPr txBox="1"/>
-          <p:nvPr/>
-        </p:nvSpPr>
-        <p:spPr>
-          <a:xfrm>
-            <a:off x="1028700" y="3864610"/>
-            <a:ext cx="5614483" cy="2548255"/>
-          </a:xfrm>
-          <a:prstGeom prst="rect">
-            <a:avLst/>
-          </a:prstGeom>
-        </p:spPr>
-        <p:txBody>
-          <a:bodyPr lIns="0" tIns="0" rIns="0" bIns="0" rtlCol="0" anchor="t">
-            <a:spAutoFit/>
-          </a:bodyPr>
-          <a:lstStyle/>
-          <a:p>
-            <a:pPr>
-              <a:lnSpc>
-                <a:spcPts val="3380"/>
-              </a:lnSpc>
-            </a:pPr>
-            <a:r>
-              <a:rPr lang="en-US" sz="2600">
-                <a:solidFill>
-                  <a:srgbClr val="EDEDED"/>
-                </a:solidFill>
-                <a:latin typeface="Clear Sans Regular"/>
-              </a:rPr>
-              <a:t>Программа запускается через главный файл main.py, в котором в свою очередь вызывается функция основного игрового цикла.</a:t>
-            </a:r>
-          </a:p>
-          <a:p>
-            <a:pPr>
-              <a:lnSpc>
-                <a:spcPts val="3380"/>
-              </a:lnSpc>
-            </a:pPr>
-            <a:r>
-              <a:rPr lang="en-US" sz="2600">
-                <a:solidFill>
-                  <a:srgbClr val="EDEDED"/>
-                </a:solidFill>
-                <a:latin typeface="Clear Sans Regular"/>
-              </a:rPr>
-              <a:t>Для удобства код классифицирован по папкам.</a:t>
-            </a:r>
-          </a:p>
-        </p:txBody>
-      </p:sp>
-      <p:sp>
-        <p:nvSpPr>
-          <p:cNvPr id="4" name="TextBox 4"/>
-          <p:cNvSpPr txBox="1"/>
-          <p:nvPr/>
-        </p:nvSpPr>
-        <p:spPr>
-          <a:xfrm>
-            <a:off x="1028700" y="881268"/>
-            <a:ext cx="8358991" cy="1024890"/>
-          </a:xfrm>
-          <a:prstGeom prst="rect">
-            <a:avLst/>
-          </a:prstGeom>
-        </p:spPr>
-        <p:txBody>
-          <a:bodyPr lIns="0" tIns="0" rIns="0" bIns="0" rtlCol="0" anchor="t">
-            <a:spAutoFit/>
-          </a:bodyPr>
-          <a:lstStyle/>
-          <a:p>
-            <a:pPr>
-              <a:lnSpc>
-                <a:spcPts val="7920"/>
-              </a:lnSpc>
-            </a:pPr>
-            <a:r>
-              <a:rPr lang="en-US" sz="7200">
-                <a:solidFill>
-                  <a:srgbClr val="EDEDED"/>
-                </a:solidFill>
-                <a:latin typeface="Clear Sans Regular"/>
-              </a:rPr>
-              <a:t>Програмный код</a:t>
-            </a:r>
-          </a:p>
-        </p:txBody>
-      </p:sp>
-    </p:spTree>
-  </p:cSld>
-  <p:clrMapOvr>
-    <a:masterClrMapping/>
-  </p:clrMapOvr>
-  <p:timing>
-    <p:tnLst>
-      <p:par>
-        <p:cTn id="1" dur="indefinite" restart="never" nodeType="tmRoot"/>
-      </p:par>
-    </p:tnLst>
-  </p:timing>
-</p:sld>
-</file>
-
 <file path=ppt/slides/slide6.xml><?xml version="1.0" encoding="utf-8"?>
 <p:sld xmlns:a="http://schemas.openxmlformats.org/drawingml/2006/main" xmlns:r="http://schemas.openxmlformats.org/officeDocument/2006/relationships" xmlns:p="http://schemas.openxmlformats.org/presentationml/2006/main">
   <p:cSld>
